--- a/Presentations/Optical Box Technical Details.pptx
+++ b/Presentations/Optical Box Technical Details.pptx
@@ -25,9 +25,9 @@
     <p:sldId id="277" r:id="rId19"/>
     <p:sldId id="284" r:id="rId20"/>
     <p:sldId id="282" r:id="rId21"/>
-    <p:sldId id="279" r:id="rId22"/>
-    <p:sldId id="276" r:id="rId23"/>
-    <p:sldId id="283" r:id="rId24"/>
+    <p:sldId id="283" r:id="rId22"/>
+    <p:sldId id="279" r:id="rId23"/>
+    <p:sldId id="276" r:id="rId24"/>
     <p:sldId id="274" r:id="rId25"/>
   </p:sldIdLst>
   <p:sldSz cx="12192000" cy="6858000"/>
@@ -1072,8 +1072,8 @@
   </dgm:ptLst>
   <dgm:cxnLst>
     <dgm:cxn modelId="{E1BC7C4F-D600-46F0-917E-1C3671EAD052}" srcId="{CFD6E6E2-C5AC-4AF4-AD46-9897128AC1E0}" destId="{029C1235-8C90-4533-9182-2DA6BA6735EE}" srcOrd="2" destOrd="0" parTransId="{D764217A-BCBB-4F1B-A713-3AB16FAA2E4B}" sibTransId="{41207314-3664-4357-A3AC-32D5145708D3}"/>
+    <dgm:cxn modelId="{0DFE8590-5039-4BC9-ABDB-6A7443C6DF70}" type="presOf" srcId="{CFD6E6E2-C5AC-4AF4-AD46-9897128AC1E0}" destId="{3FDAB07C-E5DD-43B7-A092-01E04DD325EA}" srcOrd="0" destOrd="0" presId="urn:microsoft.com/office/officeart/2005/8/layout/chevron1"/>
     <dgm:cxn modelId="{A0A7466C-55AE-46C9-BEED-59054D803003}" type="presOf" srcId="{5D955E93-00E4-413D-9650-B57BE8889DCF}" destId="{4F70E059-9FD7-4CB0-B54F-D6C99CBB1EFA}" srcOrd="0" destOrd="0" presId="urn:microsoft.com/office/officeart/2005/8/layout/chevron1"/>
-    <dgm:cxn modelId="{0DFE8590-5039-4BC9-ABDB-6A7443C6DF70}" type="presOf" srcId="{CFD6E6E2-C5AC-4AF4-AD46-9897128AC1E0}" destId="{3FDAB07C-E5DD-43B7-A092-01E04DD325EA}" srcOrd="0" destOrd="0" presId="urn:microsoft.com/office/officeart/2005/8/layout/chevron1"/>
     <dgm:cxn modelId="{F4DB1FDB-DFCE-40F8-9F64-553F68364F62}" srcId="{CFD6E6E2-C5AC-4AF4-AD46-9897128AC1E0}" destId="{5D955E93-00E4-413D-9650-B57BE8889DCF}" srcOrd="1" destOrd="0" parTransId="{ABA39EC2-443F-4B1C-A986-BD540A3DC13A}" sibTransId="{1A12C570-D307-4BAF-A8E2-D7A6DF52F36A}"/>
     <dgm:cxn modelId="{7855D3F9-D5B8-45F9-A70E-A50844CE9281}" type="presOf" srcId="{51F3E3E8-5284-4151-8FF2-CC3BEE4CB220}" destId="{14186881-BD02-4831-A931-95254397C784}" srcOrd="0" destOrd="0" presId="urn:microsoft.com/office/officeart/2005/8/layout/chevron1"/>
     <dgm:cxn modelId="{3142C173-95DB-49E8-8459-E6C4E2220D49}" type="presOf" srcId="{029C1235-8C90-4533-9182-2DA6BA6735EE}" destId="{017DB2CB-7612-4580-8A52-FE254FDE8A20}" srcOrd="0" destOrd="0" presId="urn:microsoft.com/office/officeart/2005/8/layout/chevron1"/>
@@ -1102,6 +1102,237 @@
       <dsp:cNvGrpSpPr/>
     </dsp:nvGrpSpPr>
     <dsp:grpSpPr/>
+    <dsp:sp modelId="{14186881-BD02-4831-A931-95254397C784}">
+      <dsp:nvSpPr>
+        <dsp:cNvPr id="0" name=""/>
+        <dsp:cNvSpPr/>
+      </dsp:nvSpPr>
+      <dsp:spPr>
+        <a:xfrm>
+          <a:off x="443" y="477913"/>
+          <a:ext cx="540669" cy="216267"/>
+        </a:xfrm>
+        <a:prstGeom prst="chevron">
+          <a:avLst/>
+        </a:prstGeom>
+        <a:solidFill>
+          <a:schemeClr val="accent1">
+            <a:hueOff val="0"/>
+            <a:satOff val="0"/>
+            <a:lumOff val="0"/>
+            <a:alphaOff val="0"/>
+          </a:schemeClr>
+        </a:solidFill>
+        <a:ln w="19050" cap="rnd" cmpd="sng" algn="ctr">
+          <a:solidFill>
+            <a:schemeClr val="lt1">
+              <a:hueOff val="0"/>
+              <a:satOff val="0"/>
+              <a:lumOff val="0"/>
+              <a:alphaOff val="0"/>
+            </a:schemeClr>
+          </a:solidFill>
+          <a:prstDash val="solid"/>
+        </a:ln>
+        <a:effectLst/>
+      </dsp:spPr>
+      <dsp:style>
+        <a:lnRef idx="2">
+          <a:scrgbClr r="0" g="0" b="0"/>
+        </a:lnRef>
+        <a:fillRef idx="1">
+          <a:scrgbClr r="0" g="0" b="0"/>
+        </a:fillRef>
+        <a:effectRef idx="0">
+          <a:scrgbClr r="0" g="0" b="0"/>
+        </a:effectRef>
+        <a:fontRef idx="minor">
+          <a:schemeClr val="lt1"/>
+        </a:fontRef>
+      </dsp:style>
+      <dsp:txBody>
+        <a:bodyPr spcFirstLastPara="0" vert="horz" wrap="square" lIns="52007" tIns="17336" rIns="17336" bIns="17336" numCol="1" spcCol="1270" anchor="ctr" anchorCtr="0">
+          <a:noAutofit/>
+        </a:bodyPr>
+        <a:lstStyle/>
+        <a:p>
+          <a:pPr lvl="0" algn="ctr" defTabSz="577850">
+            <a:lnSpc>
+              <a:spcPct val="90000"/>
+            </a:lnSpc>
+            <a:spcBef>
+              <a:spcPct val="0"/>
+            </a:spcBef>
+            <a:spcAft>
+              <a:spcPct val="35000"/>
+            </a:spcAft>
+          </a:pPr>
+          <a:r>
+            <a:rPr lang="en-US" sz="1300" kern="1200" dirty="0" smtClean="0"/>
+            <a:t>a</a:t>
+          </a:r>
+          <a:endParaRPr lang="ru-RU" sz="1300" kern="1200" dirty="0"/>
+        </a:p>
+      </dsp:txBody>
+      <dsp:txXfrm>
+        <a:off x="108577" y="477913"/>
+        <a:ext cx="324402" cy="216267"/>
+      </dsp:txXfrm>
+    </dsp:sp>
+    <dsp:sp modelId="{4F70E059-9FD7-4CB0-B54F-D6C99CBB1EFA}">
+      <dsp:nvSpPr>
+        <dsp:cNvPr id="0" name=""/>
+        <dsp:cNvSpPr/>
+      </dsp:nvSpPr>
+      <dsp:spPr>
+        <a:xfrm>
+          <a:off x="487046" y="477913"/>
+          <a:ext cx="540669" cy="216267"/>
+        </a:xfrm>
+        <a:prstGeom prst="chevron">
+          <a:avLst/>
+        </a:prstGeom>
+        <a:solidFill>
+          <a:schemeClr val="accent1">
+            <a:hueOff val="0"/>
+            <a:satOff val="0"/>
+            <a:lumOff val="0"/>
+            <a:alphaOff val="0"/>
+          </a:schemeClr>
+        </a:solidFill>
+        <a:ln w="19050" cap="rnd" cmpd="sng" algn="ctr">
+          <a:solidFill>
+            <a:schemeClr val="lt1">
+              <a:hueOff val="0"/>
+              <a:satOff val="0"/>
+              <a:lumOff val="0"/>
+              <a:alphaOff val="0"/>
+            </a:schemeClr>
+          </a:solidFill>
+          <a:prstDash val="solid"/>
+        </a:ln>
+        <a:effectLst/>
+      </dsp:spPr>
+      <dsp:style>
+        <a:lnRef idx="2">
+          <a:scrgbClr r="0" g="0" b="0"/>
+        </a:lnRef>
+        <a:fillRef idx="1">
+          <a:scrgbClr r="0" g="0" b="0"/>
+        </a:fillRef>
+        <a:effectRef idx="0">
+          <a:scrgbClr r="0" g="0" b="0"/>
+        </a:effectRef>
+        <a:fontRef idx="minor">
+          <a:schemeClr val="lt1"/>
+        </a:fontRef>
+      </dsp:style>
+      <dsp:txBody>
+        <a:bodyPr spcFirstLastPara="0" vert="horz" wrap="square" lIns="52007" tIns="17336" rIns="17336" bIns="17336" numCol="1" spcCol="1270" anchor="ctr" anchorCtr="0">
+          <a:noAutofit/>
+        </a:bodyPr>
+        <a:lstStyle/>
+        <a:p>
+          <a:pPr lvl="0" algn="ctr" defTabSz="577850">
+            <a:lnSpc>
+              <a:spcPct val="90000"/>
+            </a:lnSpc>
+            <a:spcBef>
+              <a:spcPct val="0"/>
+            </a:spcBef>
+            <a:spcAft>
+              <a:spcPct val="35000"/>
+            </a:spcAft>
+          </a:pPr>
+          <a:r>
+            <a:rPr lang="en-US" sz="1300" kern="1200" dirty="0" smtClean="0"/>
+            <a:t>b</a:t>
+          </a:r>
+          <a:endParaRPr lang="ru-RU" sz="1300" kern="1200" dirty="0"/>
+        </a:p>
+      </dsp:txBody>
+      <dsp:txXfrm>
+        <a:off x="595180" y="477913"/>
+        <a:ext cx="324402" cy="216267"/>
+      </dsp:txXfrm>
+    </dsp:sp>
+    <dsp:sp modelId="{017DB2CB-7612-4580-8A52-FE254FDE8A20}">
+      <dsp:nvSpPr>
+        <dsp:cNvPr id="0" name=""/>
+        <dsp:cNvSpPr/>
+      </dsp:nvSpPr>
+      <dsp:spPr>
+        <a:xfrm>
+          <a:off x="973649" y="477913"/>
+          <a:ext cx="540669" cy="216267"/>
+        </a:xfrm>
+        <a:prstGeom prst="chevron">
+          <a:avLst/>
+        </a:prstGeom>
+        <a:solidFill>
+          <a:schemeClr val="accent1">
+            <a:hueOff val="0"/>
+            <a:satOff val="0"/>
+            <a:lumOff val="0"/>
+            <a:alphaOff val="0"/>
+          </a:schemeClr>
+        </a:solidFill>
+        <a:ln w="19050" cap="rnd" cmpd="sng" algn="ctr">
+          <a:solidFill>
+            <a:schemeClr val="lt1">
+              <a:hueOff val="0"/>
+              <a:satOff val="0"/>
+              <a:lumOff val="0"/>
+              <a:alphaOff val="0"/>
+            </a:schemeClr>
+          </a:solidFill>
+          <a:prstDash val="solid"/>
+        </a:ln>
+        <a:effectLst/>
+      </dsp:spPr>
+      <dsp:style>
+        <a:lnRef idx="2">
+          <a:scrgbClr r="0" g="0" b="0"/>
+        </a:lnRef>
+        <a:fillRef idx="1">
+          <a:scrgbClr r="0" g="0" b="0"/>
+        </a:fillRef>
+        <a:effectRef idx="0">
+          <a:scrgbClr r="0" g="0" b="0"/>
+        </a:effectRef>
+        <a:fontRef idx="minor">
+          <a:schemeClr val="lt1"/>
+        </a:fontRef>
+      </dsp:style>
+      <dsp:txBody>
+        <a:bodyPr spcFirstLastPara="0" vert="horz" wrap="square" lIns="52007" tIns="17336" rIns="17336" bIns="17336" numCol="1" spcCol="1270" anchor="ctr" anchorCtr="0">
+          <a:noAutofit/>
+        </a:bodyPr>
+        <a:lstStyle/>
+        <a:p>
+          <a:pPr lvl="0" algn="ctr" defTabSz="577850">
+            <a:lnSpc>
+              <a:spcPct val="90000"/>
+            </a:lnSpc>
+            <a:spcBef>
+              <a:spcPct val="0"/>
+            </a:spcBef>
+            <a:spcAft>
+              <a:spcPct val="35000"/>
+            </a:spcAft>
+          </a:pPr>
+          <a:r>
+            <a:rPr lang="en-US" sz="1300" kern="1200" dirty="0" smtClean="0"/>
+            <a:t>c</a:t>
+          </a:r>
+          <a:endParaRPr lang="ru-RU" sz="1300" kern="1200" dirty="0"/>
+        </a:p>
+      </dsp:txBody>
+      <dsp:txXfrm>
+        <a:off x="1081783" y="477913"/>
+        <a:ext cx="324402" cy="216267"/>
+      </dsp:txXfrm>
+    </dsp:sp>
   </dsp:spTree>
 </dsp:drawing>
 </file>
@@ -3168,7 +3399,7 @@
           <a:p>
             <a:fld id="{C1A79DA7-38DB-42FC-9735-070EB42AA89C}" type="datetimeFigureOut">
               <a:rPr lang="ru-RU" smtClean="0"/>
-              <a:t>18.08.2015</a:t>
+              <a:t>20.08.2015</a:t>
             </a:fld>
             <a:endParaRPr lang="ru-RU"/>
           </a:p>
@@ -3419,7 +3650,7 @@
           <a:p>
             <a:fld id="{C1A79DA7-38DB-42FC-9735-070EB42AA89C}" type="datetimeFigureOut">
               <a:rPr lang="ru-RU" smtClean="0"/>
-              <a:t>18.08.2015</a:t>
+              <a:t>20.08.2015</a:t>
             </a:fld>
             <a:endParaRPr lang="ru-RU"/>
           </a:p>
@@ -3733,7 +3964,7 @@
           <a:p>
             <a:fld id="{C1A79DA7-38DB-42FC-9735-070EB42AA89C}" type="datetimeFigureOut">
               <a:rPr lang="ru-RU" smtClean="0"/>
-              <a:t>18.08.2015</a:t>
+              <a:t>20.08.2015</a:t>
             </a:fld>
             <a:endParaRPr lang="ru-RU"/>
           </a:p>
@@ -4066,7 +4297,7 @@
           <a:p>
             <a:fld id="{C1A79DA7-38DB-42FC-9735-070EB42AA89C}" type="datetimeFigureOut">
               <a:rPr lang="ru-RU" smtClean="0"/>
-              <a:t>18.08.2015</a:t>
+              <a:t>20.08.2015</a:t>
             </a:fld>
             <a:endParaRPr lang="ru-RU"/>
           </a:p>
@@ -4380,7 +4611,7 @@
           <a:p>
             <a:fld id="{C1A79DA7-38DB-42FC-9735-070EB42AA89C}" type="datetimeFigureOut">
               <a:rPr lang="ru-RU" smtClean="0"/>
-              <a:t>18.08.2015</a:t>
+              <a:t>20.08.2015</a:t>
             </a:fld>
             <a:endParaRPr lang="ru-RU"/>
           </a:p>
@@ -4773,7 +5004,7 @@
           <a:p>
             <a:fld id="{C1A79DA7-38DB-42FC-9735-070EB42AA89C}" type="datetimeFigureOut">
               <a:rPr lang="ru-RU" smtClean="0"/>
-              <a:t>18.08.2015</a:t>
+              <a:t>20.08.2015</a:t>
             </a:fld>
             <a:endParaRPr lang="ru-RU"/>
           </a:p>
@@ -4943,7 +5174,7 @@
           <a:p>
             <a:fld id="{C1A79DA7-38DB-42FC-9735-070EB42AA89C}" type="datetimeFigureOut">
               <a:rPr lang="ru-RU" smtClean="0"/>
-              <a:t>18.08.2015</a:t>
+              <a:t>20.08.2015</a:t>
             </a:fld>
             <a:endParaRPr lang="ru-RU"/>
           </a:p>
@@ -5123,7 +5354,7 @@
           <a:p>
             <a:fld id="{C1A79DA7-38DB-42FC-9735-070EB42AA89C}" type="datetimeFigureOut">
               <a:rPr lang="ru-RU" smtClean="0"/>
-              <a:t>18.08.2015</a:t>
+              <a:t>20.08.2015</a:t>
             </a:fld>
             <a:endParaRPr lang="ru-RU"/>
           </a:p>
@@ -5293,7 +5524,7 @@
           <a:p>
             <a:fld id="{C1A79DA7-38DB-42FC-9735-070EB42AA89C}" type="datetimeFigureOut">
               <a:rPr lang="ru-RU" smtClean="0"/>
-              <a:t>18.08.2015</a:t>
+              <a:t>20.08.2015</a:t>
             </a:fld>
             <a:endParaRPr lang="ru-RU"/>
           </a:p>
@@ -5540,7 +5771,7 @@
           <a:p>
             <a:fld id="{C1A79DA7-38DB-42FC-9735-070EB42AA89C}" type="datetimeFigureOut">
               <a:rPr lang="ru-RU" smtClean="0"/>
-              <a:t>18.08.2015</a:t>
+              <a:t>20.08.2015</a:t>
             </a:fld>
             <a:endParaRPr lang="ru-RU"/>
           </a:p>
@@ -5772,7 +6003,7 @@
           <a:p>
             <a:fld id="{C1A79DA7-38DB-42FC-9735-070EB42AA89C}" type="datetimeFigureOut">
               <a:rPr lang="ru-RU" smtClean="0"/>
-              <a:t>18.08.2015</a:t>
+              <a:t>20.08.2015</a:t>
             </a:fld>
             <a:endParaRPr lang="ru-RU"/>
           </a:p>
@@ -6146,7 +6377,7 @@
           <a:p>
             <a:fld id="{C1A79DA7-38DB-42FC-9735-070EB42AA89C}" type="datetimeFigureOut">
               <a:rPr lang="ru-RU" smtClean="0"/>
-              <a:t>18.08.2015</a:t>
+              <a:t>20.08.2015</a:t>
             </a:fld>
             <a:endParaRPr lang="ru-RU"/>
           </a:p>
@@ -6269,7 +6500,7 @@
           <a:p>
             <a:fld id="{C1A79DA7-38DB-42FC-9735-070EB42AA89C}" type="datetimeFigureOut">
               <a:rPr lang="ru-RU" smtClean="0"/>
-              <a:t>18.08.2015</a:t>
+              <a:t>20.08.2015</a:t>
             </a:fld>
             <a:endParaRPr lang="ru-RU"/>
           </a:p>
@@ -6364,7 +6595,7 @@
           <a:p>
             <a:fld id="{C1A79DA7-38DB-42FC-9735-070EB42AA89C}" type="datetimeFigureOut">
               <a:rPr lang="ru-RU" smtClean="0"/>
-              <a:t>18.08.2015</a:t>
+              <a:t>20.08.2015</a:t>
             </a:fld>
             <a:endParaRPr lang="ru-RU"/>
           </a:p>
@@ -6619,7 +6850,7 @@
           <a:p>
             <a:fld id="{C1A79DA7-38DB-42FC-9735-070EB42AA89C}" type="datetimeFigureOut">
               <a:rPr lang="ru-RU" smtClean="0"/>
-              <a:t>18.08.2015</a:t>
+              <a:t>20.08.2015</a:t>
             </a:fld>
             <a:endParaRPr lang="ru-RU"/>
           </a:p>
@@ -6924,7 +7155,7 @@
           <a:p>
             <a:fld id="{C1A79DA7-38DB-42FC-9735-070EB42AA89C}" type="datetimeFigureOut">
               <a:rPr lang="ru-RU" smtClean="0"/>
-              <a:t>18.08.2015</a:t>
+              <a:t>20.08.2015</a:t>
             </a:fld>
             <a:endParaRPr lang="ru-RU"/>
           </a:p>
@@ -7626,7 +7857,7 @@
           <a:p>
             <a:fld id="{C1A79DA7-38DB-42FC-9735-070EB42AA89C}" type="datetimeFigureOut">
               <a:rPr lang="ru-RU" smtClean="0"/>
-              <a:t>18.08.2015</a:t>
+              <a:t>20.08.2015</a:t>
             </a:fld>
             <a:endParaRPr lang="ru-RU"/>
           </a:p>
@@ -9900,23 +10131,7 @@
           <a:p>
             <a:r>
               <a:rPr lang="en-US" dirty="0" smtClean="0"/>
-              <a:t>Chips of LD, DLPs and MIS are mount on one side of a Circuit Board in row with equal step. LD and MIP </a:t>
-            </a:r>
-            <a:r>
-              <a:rPr lang="en-US" dirty="0" smtClean="0"/>
-              <a:t>are placed </a:t>
-            </a:r>
-            <a:r>
-              <a:rPr lang="en-US" dirty="0" smtClean="0"/>
-              <a:t>at left and right DLPs </a:t>
-            </a:r>
-            <a:r>
-              <a:rPr lang="en-US" dirty="0" smtClean="0"/>
-              <a:t>are placed in </a:t>
-            </a:r>
-            <a:r>
-              <a:rPr lang="en-US" dirty="0" smtClean="0"/>
-              <a:t>the middle.</a:t>
+              <a:t>Chips of LD, DLPs and MIS are mount on one side of a Circuit Board in row with equal step. LD and MIP are placed at left and right DLPs are placed in the middle.</a:t>
             </a:r>
           </a:p>
           <a:p>
@@ -9928,11 +10143,7 @@
           <a:p>
             <a:r>
               <a:rPr lang="en-US" dirty="0" smtClean="0"/>
-              <a:t>At another side of the Frame placed a Film with printed </a:t>
-            </a:r>
-            <a:r>
-              <a:rPr lang="en-US" dirty="0" smtClean="0"/>
-              <a:t>FZPs, a Polarizing </a:t>
+              <a:t>At another side of the Frame placed a Film with printed FZPs, a Polarizing </a:t>
             </a:r>
             <a:r>
               <a:rPr lang="en-US" dirty="0"/>
@@ -9946,23 +10157,7 @@
           <a:p>
             <a:r>
               <a:rPr lang="en-US" dirty="0" smtClean="0"/>
-              <a:t>Sizes </a:t>
-            </a:r>
-            <a:r>
-              <a:rPr lang="en-US" dirty="0" smtClean="0"/>
-              <a:t>of </a:t>
-            </a:r>
-            <a:r>
-              <a:rPr lang="en-US" dirty="0" smtClean="0"/>
-              <a:t>the</a:t>
-            </a:r>
-            <a:r>
-              <a:rPr lang="en-US" dirty="0" smtClean="0"/>
-              <a:t> Circuit </a:t>
-            </a:r>
-            <a:r>
-              <a:rPr lang="en-US" dirty="0" smtClean="0"/>
-              <a:t>Board, </a:t>
+              <a:t>Sizes of the Circuit Board, </a:t>
             </a:r>
             <a:r>
               <a:rPr lang="en-US" dirty="0"/>
@@ -10002,11 +10197,7 @@
             </a:r>
             <a:r>
               <a:rPr lang="en-US" dirty="0" smtClean="0"/>
-              <a:t>Mirror </a:t>
-            </a:r>
-            <a:r>
-              <a:rPr lang="en-US" dirty="0" smtClean="0"/>
-              <a:t>are equal</a:t>
+              <a:t>Mirror are equal</a:t>
             </a:r>
           </a:p>
           <a:p>
@@ -10020,17 +10211,8 @@
             </a:r>
             <a:r>
               <a:rPr lang="en-US" dirty="0" smtClean="0"/>
-              <a:t>is equal a number of </a:t>
-            </a:r>
-            <a:r>
-              <a:rPr lang="en-US" dirty="0" smtClean="0"/>
-              <a:t>DLPs plus two half-sized </a:t>
-            </a:r>
-            <a:r>
-              <a:rPr lang="en-US" dirty="0" smtClean="0"/>
-              <a:t>FZPs for LD and MIS</a:t>
-            </a:r>
-            <a:endParaRPr lang="en-US" dirty="0" smtClean="0"/>
+              <a:t>is equal a number of DLPs plus two half-sized FZPs for LD and MIS</a:t>
+            </a:r>
           </a:p>
           <a:p>
             <a:r>
@@ -10061,11 +10243,7 @@
           <a:p>
             <a:r>
               <a:rPr lang="en-US" dirty="0" smtClean="0"/>
-              <a:t>DLP or MIS can be combined from number of </a:t>
-            </a:r>
-            <a:r>
-              <a:rPr lang="en-US" dirty="0" smtClean="0"/>
-              <a:t>chips</a:t>
+              <a:t>DLP or MIS can be combined from number of chips</a:t>
             </a:r>
           </a:p>
           <a:p>
@@ -10073,7 +10251,6 @@
               <a:rPr lang="en-US" dirty="0" smtClean="0"/>
               <a:t>Some DLP can be replaced by mirrors to reduce number of DLP chips</a:t>
             </a:r>
-            <a:endParaRPr lang="en-US" dirty="0" smtClean="0"/>
           </a:p>
           <a:p>
             <a:endParaRPr lang="ru-RU" dirty="0"/>
@@ -10419,12 +10596,8 @@
           <a:lstStyle/>
           <a:p>
             <a:r>
-              <a:rPr lang="en-US" dirty="0"/>
-              <a:t>Optical Box </a:t>
-            </a:r>
-            <a:r>
-              <a:rPr lang="en-US" dirty="0" smtClean="0"/>
-              <a:t>Math</a:t>
+              <a:rPr lang="en-US" dirty="0" smtClean="0"/>
+              <a:t>DLP Usage Notes</a:t>
             </a:r>
             <a:endParaRPr lang="ru-RU" dirty="0"/>
           </a:p>
@@ -10440,166 +10613,160 @@
             <p:ph idx="1"/>
           </p:nvPr>
         </p:nvSpPr>
-        <p:spPr/>
+        <p:spPr>
+          <a:xfrm>
+            <a:off x="677334" y="1529543"/>
+            <a:ext cx="8596668" cy="4511820"/>
+          </a:xfrm>
+        </p:spPr>
         <p:txBody>
           <a:bodyPr>
-            <a:normAutofit lnSpcReduction="10000"/>
+            <a:normAutofit/>
           </a:bodyPr>
           <a:lstStyle/>
           <a:p>
             <a:r>
+              <a:rPr lang="en-US" dirty="0" smtClean="0"/>
+              <a:t>Usual DLP chip micro-mirrors have 3-state (3 micro-mirror reflection angle)</a:t>
+            </a:r>
+          </a:p>
+          <a:p>
+            <a:pPr lvl="1"/>
+            <a:r>
+              <a:rPr lang="en-US" dirty="0" smtClean="0"/>
+              <a:t>Parked</a:t>
+            </a:r>
+          </a:p>
+          <a:p>
+            <a:pPr lvl="1"/>
+            <a:r>
+              <a:rPr lang="en-US" dirty="0" smtClean="0"/>
+              <a:t>On or Off</a:t>
+            </a:r>
+          </a:p>
+          <a:p>
+            <a:pPr marL="342900" lvl="1" indent="-342900"/>
+            <a:r>
+              <a:rPr lang="en-US" dirty="0" smtClean="0"/>
+              <a:t>Technology to generate grayed image by fast switch between On and Off states used by video projectors is not applicable by Optical Computing.</a:t>
+            </a:r>
+          </a:p>
+          <a:p>
+            <a:pPr marL="342900" lvl="1" indent="-342900"/>
+            <a:r>
+              <a:rPr lang="en-US" dirty="0" smtClean="0"/>
+              <a:t>Solution Ways in case using </a:t>
+            </a:r>
+            <a:r>
               <a:rPr lang="en-US" dirty="0"/>
-              <a:t>Optical Box Design do </a:t>
-            </a:r>
-            <a:r>
-              <a:rPr lang="en-US" dirty="0" smtClean="0"/>
-              <a:t>parallel math calculations of signals on DLP</a:t>
-            </a:r>
-          </a:p>
-          <a:p>
+              <a:t>DLP chip </a:t>
+            </a:r>
+            <a:r>
+              <a:rPr lang="en-US" dirty="0" smtClean="0"/>
+              <a:t>of micro-mirrors with limited states is</a:t>
+            </a:r>
+          </a:p>
+          <a:p>
+            <a:pPr marL="742950" lvl="2" indent="-342900"/>
+            <a:r>
+              <a:rPr lang="en-US" dirty="0" smtClean="0"/>
+              <a:t>Do calculations with 1-bit numbers and apply iteration math algorithms to up precision</a:t>
+            </a:r>
+          </a:p>
+          <a:p>
+            <a:pPr marL="742950" lvl="2" indent="-342900"/>
+            <a:r>
+              <a:rPr lang="en-US" dirty="0" smtClean="0"/>
+              <a:t>Use group of micro-mirrors to generate gray color</a:t>
+            </a:r>
+          </a:p>
+          <a:p>
+            <a:pPr marL="342900" lvl="1" indent="-342900"/>
+            <a:r>
+              <a:rPr lang="en-US" dirty="0" smtClean="0"/>
+              <a:t>Another way to use </a:t>
+            </a:r>
             <a:r>
               <a:rPr lang="en-US" dirty="0"/>
-              <a:t>Optical Box </a:t>
-            </a:r>
-            <a:r>
-              <a:rPr lang="en-US" dirty="0" smtClean="0"/>
-              <a:t>Design do not calculate Fourier </a:t>
+              <a:t>micro-mirrors </a:t>
+            </a:r>
+            <a:r>
+              <a:rPr lang="en-US" dirty="0" smtClean="0"/>
+              <a:t>with 3-state in binary mode in case of slow MIS is</a:t>
+            </a:r>
+          </a:p>
+          <a:p>
+            <a:pPr marL="742950" lvl="2" indent="-342900"/>
+            <a:r>
+              <a:rPr lang="en-US" dirty="0" smtClean="0"/>
+              <a:t>Transparent = Parked state</a:t>
+            </a:r>
+          </a:p>
+          <a:p>
+            <a:pPr marL="742950" lvl="2" indent="-342900"/>
+            <a:r>
+              <a:rPr lang="en-US" dirty="0" smtClean="0"/>
+              <a:t>Opaque = </a:t>
             </a:r>
             <a:r>
               <a:rPr lang="en-US" dirty="0"/>
-              <a:t>transforming </a:t>
-            </a:r>
+              <a:t>fast </a:t>
+            </a:r>
+            <a:r>
+              <a:rPr lang="en-US" dirty="0" smtClean="0"/>
+              <a:t>random switch </a:t>
+            </a:r>
+            <a:r>
+              <a:rPr lang="en-US" dirty="0"/>
+              <a:t>between </a:t>
+            </a:r>
+            <a:r>
+              <a:rPr lang="en-US" dirty="0" smtClean="0"/>
+              <a:t>On </a:t>
+            </a:r>
+            <a:r>
+              <a:rPr lang="en-US" dirty="0"/>
+              <a:t>and Off </a:t>
+            </a:r>
+            <a:r>
+              <a:rPr lang="en-US" dirty="0" smtClean="0"/>
+              <a:t>states. </a:t>
+            </a:r>
+          </a:p>
+          <a:p>
+            <a:pPr marL="1200150" lvl="3" indent="-342900"/>
+            <a:r>
+              <a:rPr lang="en-US" dirty="0" smtClean="0"/>
+              <a:t>fast </a:t>
+            </a:r>
+            <a:r>
+              <a:rPr lang="en-US" dirty="0"/>
+              <a:t>random switch between </a:t>
+            </a:r>
+            <a:r>
+              <a:rPr lang="en-US" dirty="0" smtClean="0"/>
+              <a:t>two states will generate average energy picture caused </a:t>
+            </a:r>
+            <a:r>
+              <a:rPr lang="en-US" smtClean="0"/>
+              <a:t>random diffraction pictures </a:t>
+            </a:r>
+            <a:r>
+              <a:rPr lang="en-US" dirty="0" smtClean="0"/>
+              <a:t>cached by MIS </a:t>
+            </a:r>
+            <a:endParaRPr lang="en-US" dirty="0"/>
+          </a:p>
+          <a:p>
+            <a:pPr marL="742950" lvl="2" indent="-342900"/>
             <a:endParaRPr lang="en-US" dirty="0" smtClean="0"/>
           </a:p>
           <a:p>
-            <a:r>
-              <a:rPr lang="en-US" dirty="0"/>
-              <a:t>Optical Box Design do </a:t>
-            </a:r>
-            <a:r>
-              <a:rPr lang="en-US" dirty="0" smtClean="0"/>
-              <a:t>calculate Some (Unknown, depended from device implementation) Matrix Multiplication transforming </a:t>
-            </a:r>
-            <a:r>
-              <a:rPr lang="en-US" dirty="0"/>
-              <a:t>of signals on each FZP </a:t>
-            </a:r>
+            <a:pPr marL="742950" lvl="2" indent="-342900"/>
             <a:endParaRPr lang="en-US" dirty="0" smtClean="0"/>
           </a:p>
           <a:p>
-            <a:r>
-              <a:rPr lang="en-US" dirty="0" smtClean="0"/>
-              <a:t>Because </a:t>
-            </a:r>
-            <a:r>
-              <a:rPr lang="en-US" dirty="0"/>
-              <a:t>Optical Box Design has </a:t>
-            </a:r>
-            <a:r>
-              <a:rPr lang="en-US" dirty="0" smtClean="0"/>
-              <a:t>more then two DLP</a:t>
-            </a:r>
-          </a:p>
-          <a:p>
-            <a:pPr lvl="1"/>
-            <a:r>
-              <a:rPr lang="en-US" dirty="0" smtClean="0"/>
-              <a:t>Reverse of Unknown Matrix </a:t>
-            </a:r>
-          </a:p>
-          <a:p>
-            <a:pPr lvl="2"/>
-            <a:r>
-              <a:rPr lang="en-US" dirty="0" smtClean="0"/>
-              <a:t>Can be calculated by experiments (during Optical </a:t>
-            </a:r>
-            <a:r>
-              <a:rPr lang="en-US" dirty="0"/>
-              <a:t>Box </a:t>
-            </a:r>
-            <a:r>
-              <a:rPr lang="en-US" dirty="0" smtClean="0"/>
-              <a:t>Calibration)</a:t>
-            </a:r>
-          </a:p>
-          <a:p>
-            <a:pPr lvl="2"/>
-            <a:r>
-              <a:rPr lang="en-US" dirty="0" smtClean="0"/>
-              <a:t>Can be saved for future use in embedded memory of </a:t>
-            </a:r>
-            <a:r>
-              <a:rPr lang="en-US" dirty="0"/>
-              <a:t>Optical Box </a:t>
-            </a:r>
-            <a:endParaRPr lang="en-US" dirty="0" smtClean="0"/>
-          </a:p>
-          <a:p>
-            <a:pPr lvl="2"/>
-            <a:r>
-              <a:rPr lang="en-US" dirty="0" smtClean="0"/>
-              <a:t>Can be used for </a:t>
-            </a:r>
-            <a:r>
-              <a:rPr lang="en-US" dirty="0"/>
-              <a:t>calculation needed </a:t>
-            </a:r>
-            <a:endParaRPr lang="en-US" dirty="0" smtClean="0"/>
-          </a:p>
-          <a:p>
-            <a:pPr lvl="1"/>
-            <a:r>
-              <a:rPr lang="en-US" dirty="0" smtClean="0"/>
-              <a:t>One DLP (if light is high polarized) or two DLP </a:t>
-            </a:r>
-            <a:r>
-              <a:rPr lang="en-US" dirty="0"/>
-              <a:t>(if light is </a:t>
-            </a:r>
-            <a:r>
-              <a:rPr lang="en-US" dirty="0" smtClean="0"/>
-              <a:t>low polarized</a:t>
-            </a:r>
-            <a:r>
-              <a:rPr lang="en-US" dirty="0"/>
-              <a:t>)</a:t>
-            </a:r>
-            <a:r>
-              <a:rPr lang="en-US" dirty="0" smtClean="0"/>
-              <a:t> can be used to correct total matrix production for </a:t>
-            </a:r>
-            <a:r>
-              <a:rPr lang="en-US" dirty="0"/>
-              <a:t>calculation </a:t>
-            </a:r>
-            <a:r>
-              <a:rPr lang="en-US" dirty="0" smtClean="0"/>
-              <a:t>needed like </a:t>
-            </a:r>
-            <a:r>
-              <a:rPr lang="en-US" dirty="0"/>
-              <a:t>Fourier </a:t>
-            </a:r>
-            <a:r>
-              <a:rPr lang="en-US" dirty="0" smtClean="0"/>
-              <a:t>transforming,</a:t>
-            </a:r>
-            <a:r>
-              <a:rPr lang="en-US" dirty="0"/>
-              <a:t> Walsh-</a:t>
-            </a:r>
-            <a:r>
-              <a:rPr lang="en-US" dirty="0" err="1"/>
-              <a:t>Hadamar</a:t>
-            </a:r>
-            <a:r>
-              <a:rPr lang="en-US" dirty="0"/>
-              <a:t> </a:t>
-            </a:r>
-            <a:r>
-              <a:rPr lang="en-US" dirty="0" smtClean="0"/>
-              <a:t>transforming and etc.</a:t>
-            </a:r>
+            <a:pPr marL="342900" lvl="1" indent="-342900"/>
             <a:endParaRPr lang="ru-RU" dirty="0"/>
           </a:p>
         </p:txBody>
@@ -10607,7 +10774,7 @@
     </p:spTree>
     <p:extLst>
       <p:ext uri="{BB962C8B-B14F-4D97-AF65-F5344CB8AC3E}">
-        <p14:creationId xmlns:p14="http://schemas.microsoft.com/office/powerpoint/2010/main" val="182802956"/>
+        <p14:creationId xmlns:p14="http://schemas.microsoft.com/office/powerpoint/2010/main" val="1751927340"/>
       </p:ext>
     </p:extLst>
   </p:cSld>
@@ -10651,11 +10818,11 @@
           <a:p>
             <a:r>
               <a:rPr lang="en-US" dirty="0"/>
-              <a:t>Optical </a:t>
-            </a:r>
-            <a:r>
-              <a:rPr lang="en-US" dirty="0" smtClean="0"/>
-              <a:t>Calculations Precision</a:t>
+              <a:t>Optical Box </a:t>
+            </a:r>
+            <a:r>
+              <a:rPr lang="en-US" dirty="0" smtClean="0"/>
+              <a:t>Math</a:t>
             </a:r>
             <a:endParaRPr lang="ru-RU" dirty="0"/>
           </a:p>
@@ -10673,93 +10840,172 @@
         </p:nvSpPr>
         <p:spPr/>
         <p:txBody>
-          <a:bodyPr/>
+          <a:bodyPr>
+            <a:normAutofit lnSpcReduction="10000"/>
+          </a:bodyPr>
           <a:lstStyle/>
           <a:p>
             <a:r>
-              <a:rPr lang="en-US" dirty="0" smtClean="0"/>
-              <a:t>Fact</a:t>
+              <a:rPr lang="en-US" dirty="0"/>
+              <a:t>Optical Box Design do </a:t>
+            </a:r>
+            <a:r>
+              <a:rPr lang="en-US" dirty="0" smtClean="0"/>
+              <a:t>parallel math calculations of signals on DLP</a:t>
+            </a:r>
+          </a:p>
+          <a:p>
+            <a:r>
+              <a:rPr lang="en-US" dirty="0"/>
+              <a:t>Optical Box </a:t>
+            </a:r>
+            <a:r>
+              <a:rPr lang="en-US" dirty="0" smtClean="0"/>
+              <a:t>Design do not calculate Fourier </a:t>
+            </a:r>
+            <a:r>
+              <a:rPr lang="en-US" dirty="0"/>
+              <a:t>transforming </a:t>
+            </a:r>
+            <a:endParaRPr lang="en-US" dirty="0" smtClean="0"/>
+          </a:p>
+          <a:p>
+            <a:r>
+              <a:rPr lang="en-US" dirty="0"/>
+              <a:t>Optical Box Design do </a:t>
+            </a:r>
+            <a:r>
+              <a:rPr lang="en-US" dirty="0" smtClean="0"/>
+              <a:t>calculate Some (Unknown, depended from device implementation) Matrix Multiplication transforming </a:t>
+            </a:r>
+            <a:r>
+              <a:rPr lang="en-US" dirty="0"/>
+              <a:t>of signals on each FZP </a:t>
+            </a:r>
+            <a:endParaRPr lang="en-US" dirty="0" smtClean="0"/>
+          </a:p>
+          <a:p>
+            <a:r>
+              <a:rPr lang="en-US" dirty="0" smtClean="0"/>
+              <a:t>Because </a:t>
+            </a:r>
+            <a:r>
+              <a:rPr lang="en-US" dirty="0"/>
+              <a:t>Optical Box Design has </a:t>
+            </a:r>
+            <a:r>
+              <a:rPr lang="en-US" dirty="0" smtClean="0"/>
+              <a:t>more then two DLP</a:t>
             </a:r>
           </a:p>
           <a:p>
             <a:pPr lvl="1"/>
             <a:r>
               <a:rPr lang="en-US" dirty="0" smtClean="0"/>
-              <a:t>Calculation with using optics </a:t>
+              <a:t>Reverse of Unknown Matrix </a:t>
+            </a:r>
+          </a:p>
+          <a:p>
+            <a:pPr lvl="2"/>
+            <a:r>
+              <a:rPr lang="en-US" dirty="0" smtClean="0"/>
+              <a:t>Can be calculated by experiments (during Optical </a:t>
             </a:r>
             <a:r>
               <a:rPr lang="en-US" dirty="0"/>
-              <a:t>calculations </a:t>
-            </a:r>
-            <a:r>
-              <a:rPr lang="en-US" dirty="0" smtClean="0"/>
-              <a:t>gives rough results</a:t>
-            </a:r>
-          </a:p>
-          <a:p>
-            <a:r>
-              <a:rPr lang="en-US" dirty="0" smtClean="0"/>
-              <a:t>Solution Ways</a:t>
-            </a:r>
+              <a:t>Box </a:t>
+            </a:r>
+            <a:r>
+              <a:rPr lang="en-US" dirty="0" smtClean="0"/>
+              <a:t>Calibration)</a:t>
+            </a:r>
+          </a:p>
+          <a:p>
+            <a:pPr lvl="2"/>
+            <a:r>
+              <a:rPr lang="en-US" dirty="0" smtClean="0"/>
+              <a:t>Can be saved for future use in embedded memory of </a:t>
+            </a:r>
+            <a:r>
+              <a:rPr lang="en-US" dirty="0"/>
+              <a:t>Optical Box </a:t>
+            </a:r>
+            <a:endParaRPr lang="en-US" dirty="0" smtClean="0"/>
+          </a:p>
+          <a:p>
+            <a:pPr lvl="2"/>
+            <a:r>
+              <a:rPr lang="en-US" dirty="0" smtClean="0"/>
+              <a:t>Can be used for </a:t>
+            </a:r>
+            <a:r>
+              <a:rPr lang="en-US" dirty="0"/>
+              <a:t>calculation needed </a:t>
+            </a:r>
+            <a:endParaRPr lang="en-US" dirty="0" smtClean="0"/>
           </a:p>
           <a:p>
             <a:pPr lvl="1"/>
             <a:r>
               <a:rPr lang="en-US" dirty="0" smtClean="0"/>
-              <a:t>Same algorithms like sorting, brute force, branch-and-bounds and etc. do not need precision for all </a:t>
+              <a:t>One DLP (if light is high polarized) or two DLP </a:t>
             </a:r>
             <a:r>
               <a:rPr lang="en-US" dirty="0"/>
-              <a:t>results </a:t>
-            </a:r>
-            <a:r>
-              <a:rPr lang="en-US" dirty="0" smtClean="0"/>
-              <a:t>but selected only. Selected </a:t>
+              <a:t>(if light is </a:t>
+            </a:r>
+            <a:r>
+              <a:rPr lang="en-US" dirty="0" smtClean="0"/>
+              <a:t>low polarized</a:t>
             </a:r>
             <a:r>
               <a:rPr lang="en-US" dirty="0"/>
-              <a:t>results </a:t>
-            </a:r>
-            <a:r>
-              <a:rPr lang="en-US" dirty="0" smtClean="0"/>
-              <a:t>can by calculated traditional way.</a:t>
-            </a:r>
-          </a:p>
-          <a:p>
-            <a:pPr lvl="1"/>
-            <a:r>
-              <a:rPr lang="en-US" dirty="0" smtClean="0"/>
-              <a:t>There are many step-by-step math iteration algorithms exists to up </a:t>
+              <a:t>)</a:t>
+            </a:r>
+            <a:r>
+              <a:rPr lang="en-US" dirty="0" smtClean="0"/>
+              <a:t> can be used to correct total matrix production for </a:t>
             </a:r>
             <a:r>
               <a:rPr lang="en-US" dirty="0"/>
-              <a:t>precision </a:t>
-            </a:r>
-            <a:r>
-              <a:rPr lang="en-US" dirty="0" smtClean="0"/>
-              <a:t>as needed</a:t>
-            </a:r>
-          </a:p>
-          <a:p>
-            <a:r>
-              <a:rPr lang="en-US" dirty="0" smtClean="0"/>
-              <a:t>Conclusion</a:t>
-            </a:r>
-          </a:p>
-          <a:p>
-            <a:pPr lvl="1"/>
-            <a:r>
-              <a:rPr lang="en-US" sz="1800" dirty="0" smtClean="0"/>
-              <a:t>Rough results can by used effectively </a:t>
-            </a:r>
-            <a:endParaRPr lang="ru-RU" sz="1800" dirty="0"/>
+              <a:t>calculation </a:t>
+            </a:r>
+            <a:r>
+              <a:rPr lang="en-US" dirty="0" smtClean="0"/>
+              <a:t>needed like </a:t>
+            </a:r>
+            <a:r>
+              <a:rPr lang="en-US" dirty="0"/>
+              <a:t>Fourier </a:t>
+            </a:r>
+            <a:r>
+              <a:rPr lang="en-US" dirty="0" smtClean="0"/>
+              <a:t>transforming,</a:t>
+            </a:r>
+            <a:r>
+              <a:rPr lang="en-US" dirty="0"/>
+              <a:t> Walsh-</a:t>
+            </a:r>
+            <a:r>
+              <a:rPr lang="en-US" dirty="0" err="1"/>
+              <a:t>Hadamar</a:t>
+            </a:r>
+            <a:r>
+              <a:rPr lang="en-US" dirty="0"/>
+              <a:t> </a:t>
+            </a:r>
+            <a:r>
+              <a:rPr lang="en-US" dirty="0" smtClean="0"/>
+              <a:t>transforming and etc.</a:t>
+            </a:r>
+            <a:endParaRPr lang="ru-RU" dirty="0"/>
           </a:p>
         </p:txBody>
       </p:sp>
     </p:spTree>
     <p:extLst>
       <p:ext uri="{BB962C8B-B14F-4D97-AF65-F5344CB8AC3E}">
-        <p14:creationId xmlns:p14="http://schemas.microsoft.com/office/powerpoint/2010/main" val="1619521154"/>
+        <p14:creationId xmlns:p14="http://schemas.microsoft.com/office/powerpoint/2010/main" val="182802956"/>
       </p:ext>
     </p:extLst>
   </p:cSld>
@@ -10802,8 +11048,12 @@
           <a:lstStyle/>
           <a:p>
             <a:r>
-              <a:rPr lang="en-US" dirty="0" smtClean="0"/>
-              <a:t>DLP Usage Notes</a:t>
+              <a:rPr lang="en-US" dirty="0"/>
+              <a:t>Optical </a:t>
+            </a:r>
+            <a:r>
+              <a:rPr lang="en-US" dirty="0" smtClean="0"/>
+              <a:t>Calculations Precision</a:t>
             </a:r>
             <a:endParaRPr lang="ru-RU" dirty="0"/>
           </a:p>
@@ -10819,168 +11069,95 @@
             <p:ph idx="1"/>
           </p:nvPr>
         </p:nvSpPr>
-        <p:spPr>
-          <a:xfrm>
-            <a:off x="677334" y="1529543"/>
-            <a:ext cx="8596668" cy="4511820"/>
-          </a:xfrm>
-        </p:spPr>
-        <p:txBody>
-          <a:bodyPr>
-            <a:normAutofit/>
-          </a:bodyPr>
+        <p:spPr/>
+        <p:txBody>
+          <a:bodyPr/>
           <a:lstStyle/>
           <a:p>
             <a:r>
               <a:rPr lang="en-US" dirty="0" smtClean="0"/>
-              <a:t>Usual DLP chip micro-mirrors have 3-state (3 micro-mirror reflection angle)</a:t>
+              <a:t>Fact</a:t>
             </a:r>
           </a:p>
           <a:p>
             <a:pPr lvl="1"/>
             <a:r>
               <a:rPr lang="en-US" dirty="0" smtClean="0"/>
-              <a:t>Parked</a:t>
+              <a:t>Calculation with using optics </a:t>
+            </a:r>
+            <a:r>
+              <a:rPr lang="en-US" dirty="0"/>
+              <a:t>calculations </a:t>
+            </a:r>
+            <a:r>
+              <a:rPr lang="en-US" dirty="0" smtClean="0"/>
+              <a:t>gives rough results</a:t>
+            </a:r>
+          </a:p>
+          <a:p>
+            <a:r>
+              <a:rPr lang="en-US" dirty="0" smtClean="0"/>
+              <a:t>Solution Ways</a:t>
             </a:r>
           </a:p>
           <a:p>
             <a:pPr lvl="1"/>
             <a:r>
               <a:rPr lang="en-US" dirty="0" smtClean="0"/>
-              <a:t>On or Off</a:t>
-            </a:r>
-          </a:p>
-          <a:p>
-            <a:pPr marL="342900" lvl="1" indent="-342900"/>
-            <a:r>
-              <a:rPr lang="en-US" dirty="0" smtClean="0"/>
-              <a:t>Technology to generate grayed image by fast switch between On and Off states used by video projectors is not applicable by Optical Computing.</a:t>
-            </a:r>
-          </a:p>
-          <a:p>
-            <a:pPr marL="342900" lvl="1" indent="-342900"/>
-            <a:r>
-              <a:rPr lang="en-US" dirty="0" smtClean="0"/>
-              <a:t>Solution Ways in case using </a:t>
+              <a:t>Same algorithms like sorting, brute force, branch-and-bounds and etc. do not need precision for all </a:t>
             </a:r>
             <a:r>
               <a:rPr lang="en-US" dirty="0"/>
-              <a:t>DLP chip </a:t>
-            </a:r>
-            <a:r>
-              <a:rPr lang="en-US" dirty="0" smtClean="0"/>
-              <a:t>of micro-mirrors with limited states is</a:t>
-            </a:r>
-          </a:p>
-          <a:p>
-            <a:pPr marL="742950" lvl="2" indent="-342900"/>
-            <a:r>
-              <a:rPr lang="en-US" dirty="0" smtClean="0"/>
-              <a:t>Do calculations with 1-bit numbers and apply iteration math algorithms to up precision</a:t>
-            </a:r>
-          </a:p>
-          <a:p>
-            <a:pPr marL="742950" lvl="2" indent="-342900"/>
-            <a:r>
-              <a:rPr lang="en-US" dirty="0" smtClean="0"/>
-              <a:t>Use group of micro-mirrors to generate gray color</a:t>
-            </a:r>
-          </a:p>
-          <a:p>
-            <a:pPr marL="342900" lvl="1" indent="-342900"/>
-            <a:r>
-              <a:rPr lang="en-US" dirty="0" smtClean="0"/>
-              <a:t>Another way to use </a:t>
+              <a:t>results </a:t>
+            </a:r>
+            <a:r>
+              <a:rPr lang="en-US" dirty="0" smtClean="0"/>
+              <a:t>but selected only. Selected </a:t>
             </a:r>
             <a:r>
               <a:rPr lang="en-US" dirty="0"/>
-              <a:t>micro-mirrors </a:t>
-            </a:r>
-            <a:r>
-              <a:rPr lang="en-US" dirty="0" smtClean="0"/>
-              <a:t>with 3-state in binary mode in case of slow MIS is</a:t>
-            </a:r>
-          </a:p>
-          <a:p>
-            <a:pPr marL="742950" lvl="2" indent="-342900"/>
-            <a:r>
-              <a:rPr lang="en-US" dirty="0" smtClean="0"/>
-              <a:t>Transparent = Parked state</a:t>
-            </a:r>
-          </a:p>
-          <a:p>
-            <a:pPr marL="742950" lvl="2" indent="-342900"/>
-            <a:r>
-              <a:rPr lang="en-US" dirty="0" smtClean="0"/>
-              <a:t>Opaque = </a:t>
+              <a:t>results </a:t>
+            </a:r>
+            <a:r>
+              <a:rPr lang="en-US" dirty="0" smtClean="0"/>
+              <a:t>can by calculated traditional way.</a:t>
+            </a:r>
+          </a:p>
+          <a:p>
+            <a:pPr lvl="1"/>
+            <a:r>
+              <a:rPr lang="en-US" dirty="0" smtClean="0"/>
+              <a:t>There are many step-by-step math iteration algorithms exists to up </a:t>
             </a:r>
             <a:r>
               <a:rPr lang="en-US" dirty="0"/>
-              <a:t>fast </a:t>
-            </a:r>
-            <a:r>
-              <a:rPr lang="en-US" dirty="0" smtClean="0"/>
-              <a:t>random switch </a:t>
-            </a:r>
-            <a:r>
-              <a:rPr lang="en-US" dirty="0"/>
-              <a:t>between </a:t>
-            </a:r>
-            <a:r>
-              <a:rPr lang="en-US" dirty="0" smtClean="0"/>
-              <a:t>On </a:t>
-            </a:r>
-            <a:r>
-              <a:rPr lang="en-US" dirty="0"/>
-              <a:t>and Off </a:t>
-            </a:r>
-            <a:r>
-              <a:rPr lang="en-US" dirty="0" smtClean="0"/>
-              <a:t>states. </a:t>
-            </a:r>
-          </a:p>
-          <a:p>
-            <a:pPr marL="1200150" lvl="3" indent="-342900"/>
-            <a:r>
-              <a:rPr lang="en-US" dirty="0" smtClean="0"/>
-              <a:t>fast </a:t>
-            </a:r>
-            <a:r>
-              <a:rPr lang="en-US" dirty="0"/>
-              <a:t>random switch between </a:t>
-            </a:r>
-            <a:r>
-              <a:rPr lang="en-US" dirty="0" smtClean="0"/>
-              <a:t>two states will generate average energy picture caused </a:t>
-            </a:r>
-            <a:r>
-              <a:rPr lang="en-US" smtClean="0"/>
-              <a:t>random diffraction pictures </a:t>
-            </a:r>
-            <a:r>
-              <a:rPr lang="en-US" dirty="0" smtClean="0"/>
-              <a:t>cached by MIS </a:t>
-            </a:r>
-            <a:endParaRPr lang="en-US" dirty="0"/>
-          </a:p>
-          <a:p>
-            <a:pPr marL="742950" lvl="2" indent="-342900"/>
-            <a:endParaRPr lang="en-US" dirty="0" smtClean="0"/>
-          </a:p>
-          <a:p>
-            <a:pPr marL="742950" lvl="2" indent="-342900"/>
-            <a:endParaRPr lang="en-US" dirty="0" smtClean="0"/>
-          </a:p>
-          <a:p>
-            <a:pPr marL="342900" lvl="1" indent="-342900"/>
-            <a:endParaRPr lang="ru-RU" dirty="0"/>
+              <a:t>precision </a:t>
+            </a:r>
+            <a:r>
+              <a:rPr lang="en-US" dirty="0" smtClean="0"/>
+              <a:t>as needed</a:t>
+            </a:r>
+          </a:p>
+          <a:p>
+            <a:r>
+              <a:rPr lang="en-US" dirty="0" smtClean="0"/>
+              <a:t>Conclusion</a:t>
+            </a:r>
+          </a:p>
+          <a:p>
+            <a:pPr lvl="1"/>
+            <a:r>
+              <a:rPr lang="en-US" sz="1800" dirty="0" smtClean="0"/>
+              <a:t>Rough results can by used effectively </a:t>
+            </a:r>
+            <a:endParaRPr lang="ru-RU" sz="1800" dirty="0"/>
           </a:p>
         </p:txBody>
       </p:sp>
     </p:spTree>
     <p:extLst>
       <p:ext uri="{BB962C8B-B14F-4D97-AF65-F5344CB8AC3E}">
-        <p14:creationId xmlns:p14="http://schemas.microsoft.com/office/powerpoint/2010/main" val="1751927340"/>
+        <p14:creationId xmlns:p14="http://schemas.microsoft.com/office/powerpoint/2010/main" val="1619521154"/>
       </p:ext>
     </p:extLst>
   </p:cSld>

--- a/Presentations/Optical Box Technical Details.pptx
+++ b/Presentations/Optical Box Technical Details.pptx
@@ -25,10 +25,13 @@
     <p:sldId id="277" r:id="rId19"/>
     <p:sldId id="284" r:id="rId20"/>
     <p:sldId id="282" r:id="rId21"/>
-    <p:sldId id="283" r:id="rId22"/>
-    <p:sldId id="279" r:id="rId23"/>
-    <p:sldId id="276" r:id="rId24"/>
-    <p:sldId id="274" r:id="rId25"/>
+    <p:sldId id="285" r:id="rId22"/>
+    <p:sldId id="287" r:id="rId23"/>
+    <p:sldId id="288" r:id="rId24"/>
+    <p:sldId id="283" r:id="rId25"/>
+    <p:sldId id="279" r:id="rId26"/>
+    <p:sldId id="276" r:id="rId27"/>
+    <p:sldId id="274" r:id="rId28"/>
   </p:sldIdLst>
   <p:sldSz cx="12192000" cy="6858000"/>
   <p:notesSz cx="6858000" cy="9144000"/>
@@ -1102,237 +1105,6 @@
       <dsp:cNvGrpSpPr/>
     </dsp:nvGrpSpPr>
     <dsp:grpSpPr/>
-    <dsp:sp modelId="{14186881-BD02-4831-A931-95254397C784}">
-      <dsp:nvSpPr>
-        <dsp:cNvPr id="0" name=""/>
-        <dsp:cNvSpPr/>
-      </dsp:nvSpPr>
-      <dsp:spPr>
-        <a:xfrm>
-          <a:off x="443" y="477913"/>
-          <a:ext cx="540669" cy="216267"/>
-        </a:xfrm>
-        <a:prstGeom prst="chevron">
-          <a:avLst/>
-        </a:prstGeom>
-        <a:solidFill>
-          <a:schemeClr val="accent1">
-            <a:hueOff val="0"/>
-            <a:satOff val="0"/>
-            <a:lumOff val="0"/>
-            <a:alphaOff val="0"/>
-          </a:schemeClr>
-        </a:solidFill>
-        <a:ln w="19050" cap="rnd" cmpd="sng" algn="ctr">
-          <a:solidFill>
-            <a:schemeClr val="lt1">
-              <a:hueOff val="0"/>
-              <a:satOff val="0"/>
-              <a:lumOff val="0"/>
-              <a:alphaOff val="0"/>
-            </a:schemeClr>
-          </a:solidFill>
-          <a:prstDash val="solid"/>
-        </a:ln>
-        <a:effectLst/>
-      </dsp:spPr>
-      <dsp:style>
-        <a:lnRef idx="2">
-          <a:scrgbClr r="0" g="0" b="0"/>
-        </a:lnRef>
-        <a:fillRef idx="1">
-          <a:scrgbClr r="0" g="0" b="0"/>
-        </a:fillRef>
-        <a:effectRef idx="0">
-          <a:scrgbClr r="0" g="0" b="0"/>
-        </a:effectRef>
-        <a:fontRef idx="minor">
-          <a:schemeClr val="lt1"/>
-        </a:fontRef>
-      </dsp:style>
-      <dsp:txBody>
-        <a:bodyPr spcFirstLastPara="0" vert="horz" wrap="square" lIns="52007" tIns="17336" rIns="17336" bIns="17336" numCol="1" spcCol="1270" anchor="ctr" anchorCtr="0">
-          <a:noAutofit/>
-        </a:bodyPr>
-        <a:lstStyle/>
-        <a:p>
-          <a:pPr lvl="0" algn="ctr" defTabSz="577850">
-            <a:lnSpc>
-              <a:spcPct val="90000"/>
-            </a:lnSpc>
-            <a:spcBef>
-              <a:spcPct val="0"/>
-            </a:spcBef>
-            <a:spcAft>
-              <a:spcPct val="35000"/>
-            </a:spcAft>
-          </a:pPr>
-          <a:r>
-            <a:rPr lang="en-US" sz="1300" kern="1200" dirty="0" smtClean="0"/>
-            <a:t>a</a:t>
-          </a:r>
-          <a:endParaRPr lang="ru-RU" sz="1300" kern="1200" dirty="0"/>
-        </a:p>
-      </dsp:txBody>
-      <dsp:txXfrm>
-        <a:off x="108577" y="477913"/>
-        <a:ext cx="324402" cy="216267"/>
-      </dsp:txXfrm>
-    </dsp:sp>
-    <dsp:sp modelId="{4F70E059-9FD7-4CB0-B54F-D6C99CBB1EFA}">
-      <dsp:nvSpPr>
-        <dsp:cNvPr id="0" name=""/>
-        <dsp:cNvSpPr/>
-      </dsp:nvSpPr>
-      <dsp:spPr>
-        <a:xfrm>
-          <a:off x="487046" y="477913"/>
-          <a:ext cx="540669" cy="216267"/>
-        </a:xfrm>
-        <a:prstGeom prst="chevron">
-          <a:avLst/>
-        </a:prstGeom>
-        <a:solidFill>
-          <a:schemeClr val="accent1">
-            <a:hueOff val="0"/>
-            <a:satOff val="0"/>
-            <a:lumOff val="0"/>
-            <a:alphaOff val="0"/>
-          </a:schemeClr>
-        </a:solidFill>
-        <a:ln w="19050" cap="rnd" cmpd="sng" algn="ctr">
-          <a:solidFill>
-            <a:schemeClr val="lt1">
-              <a:hueOff val="0"/>
-              <a:satOff val="0"/>
-              <a:lumOff val="0"/>
-              <a:alphaOff val="0"/>
-            </a:schemeClr>
-          </a:solidFill>
-          <a:prstDash val="solid"/>
-        </a:ln>
-        <a:effectLst/>
-      </dsp:spPr>
-      <dsp:style>
-        <a:lnRef idx="2">
-          <a:scrgbClr r="0" g="0" b="0"/>
-        </a:lnRef>
-        <a:fillRef idx="1">
-          <a:scrgbClr r="0" g="0" b="0"/>
-        </a:fillRef>
-        <a:effectRef idx="0">
-          <a:scrgbClr r="0" g="0" b="0"/>
-        </a:effectRef>
-        <a:fontRef idx="minor">
-          <a:schemeClr val="lt1"/>
-        </a:fontRef>
-      </dsp:style>
-      <dsp:txBody>
-        <a:bodyPr spcFirstLastPara="0" vert="horz" wrap="square" lIns="52007" tIns="17336" rIns="17336" bIns="17336" numCol="1" spcCol="1270" anchor="ctr" anchorCtr="0">
-          <a:noAutofit/>
-        </a:bodyPr>
-        <a:lstStyle/>
-        <a:p>
-          <a:pPr lvl="0" algn="ctr" defTabSz="577850">
-            <a:lnSpc>
-              <a:spcPct val="90000"/>
-            </a:lnSpc>
-            <a:spcBef>
-              <a:spcPct val="0"/>
-            </a:spcBef>
-            <a:spcAft>
-              <a:spcPct val="35000"/>
-            </a:spcAft>
-          </a:pPr>
-          <a:r>
-            <a:rPr lang="en-US" sz="1300" kern="1200" dirty="0" smtClean="0"/>
-            <a:t>b</a:t>
-          </a:r>
-          <a:endParaRPr lang="ru-RU" sz="1300" kern="1200" dirty="0"/>
-        </a:p>
-      </dsp:txBody>
-      <dsp:txXfrm>
-        <a:off x="595180" y="477913"/>
-        <a:ext cx="324402" cy="216267"/>
-      </dsp:txXfrm>
-    </dsp:sp>
-    <dsp:sp modelId="{017DB2CB-7612-4580-8A52-FE254FDE8A20}">
-      <dsp:nvSpPr>
-        <dsp:cNvPr id="0" name=""/>
-        <dsp:cNvSpPr/>
-      </dsp:nvSpPr>
-      <dsp:spPr>
-        <a:xfrm>
-          <a:off x="973649" y="477913"/>
-          <a:ext cx="540669" cy="216267"/>
-        </a:xfrm>
-        <a:prstGeom prst="chevron">
-          <a:avLst/>
-        </a:prstGeom>
-        <a:solidFill>
-          <a:schemeClr val="accent1">
-            <a:hueOff val="0"/>
-            <a:satOff val="0"/>
-            <a:lumOff val="0"/>
-            <a:alphaOff val="0"/>
-          </a:schemeClr>
-        </a:solidFill>
-        <a:ln w="19050" cap="rnd" cmpd="sng" algn="ctr">
-          <a:solidFill>
-            <a:schemeClr val="lt1">
-              <a:hueOff val="0"/>
-              <a:satOff val="0"/>
-              <a:lumOff val="0"/>
-              <a:alphaOff val="0"/>
-            </a:schemeClr>
-          </a:solidFill>
-          <a:prstDash val="solid"/>
-        </a:ln>
-        <a:effectLst/>
-      </dsp:spPr>
-      <dsp:style>
-        <a:lnRef idx="2">
-          <a:scrgbClr r="0" g="0" b="0"/>
-        </a:lnRef>
-        <a:fillRef idx="1">
-          <a:scrgbClr r="0" g="0" b="0"/>
-        </a:fillRef>
-        <a:effectRef idx="0">
-          <a:scrgbClr r="0" g="0" b="0"/>
-        </a:effectRef>
-        <a:fontRef idx="minor">
-          <a:schemeClr val="lt1"/>
-        </a:fontRef>
-      </dsp:style>
-      <dsp:txBody>
-        <a:bodyPr spcFirstLastPara="0" vert="horz" wrap="square" lIns="52007" tIns="17336" rIns="17336" bIns="17336" numCol="1" spcCol="1270" anchor="ctr" anchorCtr="0">
-          <a:noAutofit/>
-        </a:bodyPr>
-        <a:lstStyle/>
-        <a:p>
-          <a:pPr lvl="0" algn="ctr" defTabSz="577850">
-            <a:lnSpc>
-              <a:spcPct val="90000"/>
-            </a:lnSpc>
-            <a:spcBef>
-              <a:spcPct val="0"/>
-            </a:spcBef>
-            <a:spcAft>
-              <a:spcPct val="35000"/>
-            </a:spcAft>
-          </a:pPr>
-          <a:r>
-            <a:rPr lang="en-US" sz="1300" kern="1200" dirty="0" smtClean="0"/>
-            <a:t>c</a:t>
-          </a:r>
-          <a:endParaRPr lang="ru-RU" sz="1300" kern="1200" dirty="0"/>
-        </a:p>
-      </dsp:txBody>
-      <dsp:txXfrm>
-        <a:off x="1081783" y="477913"/>
-        <a:ext cx="324402" cy="216267"/>
-      </dsp:txXfrm>
-    </dsp:sp>
   </dsp:spTree>
 </dsp:drawing>
 </file>
@@ -3399,7 +3171,7 @@
           <a:p>
             <a:fld id="{C1A79DA7-38DB-42FC-9735-070EB42AA89C}" type="datetimeFigureOut">
               <a:rPr lang="ru-RU" smtClean="0"/>
-              <a:t>20.08.2015</a:t>
+              <a:t>23.08.2015</a:t>
             </a:fld>
             <a:endParaRPr lang="ru-RU"/>
           </a:p>
@@ -3650,7 +3422,7 @@
           <a:p>
             <a:fld id="{C1A79DA7-38DB-42FC-9735-070EB42AA89C}" type="datetimeFigureOut">
               <a:rPr lang="ru-RU" smtClean="0"/>
-              <a:t>20.08.2015</a:t>
+              <a:t>23.08.2015</a:t>
             </a:fld>
             <a:endParaRPr lang="ru-RU"/>
           </a:p>
@@ -3964,7 +3736,7 @@
           <a:p>
             <a:fld id="{C1A79DA7-38DB-42FC-9735-070EB42AA89C}" type="datetimeFigureOut">
               <a:rPr lang="ru-RU" smtClean="0"/>
-              <a:t>20.08.2015</a:t>
+              <a:t>23.08.2015</a:t>
             </a:fld>
             <a:endParaRPr lang="ru-RU"/>
           </a:p>
@@ -4297,7 +4069,7 @@
           <a:p>
             <a:fld id="{C1A79DA7-38DB-42FC-9735-070EB42AA89C}" type="datetimeFigureOut">
               <a:rPr lang="ru-RU" smtClean="0"/>
-              <a:t>20.08.2015</a:t>
+              <a:t>23.08.2015</a:t>
             </a:fld>
             <a:endParaRPr lang="ru-RU"/>
           </a:p>
@@ -4611,7 +4383,7 @@
           <a:p>
             <a:fld id="{C1A79DA7-38DB-42FC-9735-070EB42AA89C}" type="datetimeFigureOut">
               <a:rPr lang="ru-RU" smtClean="0"/>
-              <a:t>20.08.2015</a:t>
+              <a:t>23.08.2015</a:t>
             </a:fld>
             <a:endParaRPr lang="ru-RU"/>
           </a:p>
@@ -5004,7 +4776,7 @@
           <a:p>
             <a:fld id="{C1A79DA7-38DB-42FC-9735-070EB42AA89C}" type="datetimeFigureOut">
               <a:rPr lang="ru-RU" smtClean="0"/>
-              <a:t>20.08.2015</a:t>
+              <a:t>23.08.2015</a:t>
             </a:fld>
             <a:endParaRPr lang="ru-RU"/>
           </a:p>
@@ -5174,7 +4946,7 @@
           <a:p>
             <a:fld id="{C1A79DA7-38DB-42FC-9735-070EB42AA89C}" type="datetimeFigureOut">
               <a:rPr lang="ru-RU" smtClean="0"/>
-              <a:t>20.08.2015</a:t>
+              <a:t>23.08.2015</a:t>
             </a:fld>
             <a:endParaRPr lang="ru-RU"/>
           </a:p>
@@ -5354,7 +5126,7 @@
           <a:p>
             <a:fld id="{C1A79DA7-38DB-42FC-9735-070EB42AA89C}" type="datetimeFigureOut">
               <a:rPr lang="ru-RU" smtClean="0"/>
-              <a:t>20.08.2015</a:t>
+              <a:t>23.08.2015</a:t>
             </a:fld>
             <a:endParaRPr lang="ru-RU"/>
           </a:p>
@@ -5524,7 +5296,7 @@
           <a:p>
             <a:fld id="{C1A79DA7-38DB-42FC-9735-070EB42AA89C}" type="datetimeFigureOut">
               <a:rPr lang="ru-RU" smtClean="0"/>
-              <a:t>20.08.2015</a:t>
+              <a:t>23.08.2015</a:t>
             </a:fld>
             <a:endParaRPr lang="ru-RU"/>
           </a:p>
@@ -5771,7 +5543,7 @@
           <a:p>
             <a:fld id="{C1A79DA7-38DB-42FC-9735-070EB42AA89C}" type="datetimeFigureOut">
               <a:rPr lang="ru-RU" smtClean="0"/>
-              <a:t>20.08.2015</a:t>
+              <a:t>23.08.2015</a:t>
             </a:fld>
             <a:endParaRPr lang="ru-RU"/>
           </a:p>
@@ -6003,7 +5775,7 @@
           <a:p>
             <a:fld id="{C1A79DA7-38DB-42FC-9735-070EB42AA89C}" type="datetimeFigureOut">
               <a:rPr lang="ru-RU" smtClean="0"/>
-              <a:t>20.08.2015</a:t>
+              <a:t>23.08.2015</a:t>
             </a:fld>
             <a:endParaRPr lang="ru-RU"/>
           </a:p>
@@ -6377,7 +6149,7 @@
           <a:p>
             <a:fld id="{C1A79DA7-38DB-42FC-9735-070EB42AA89C}" type="datetimeFigureOut">
               <a:rPr lang="ru-RU" smtClean="0"/>
-              <a:t>20.08.2015</a:t>
+              <a:t>23.08.2015</a:t>
             </a:fld>
             <a:endParaRPr lang="ru-RU"/>
           </a:p>
@@ -6500,7 +6272,7 @@
           <a:p>
             <a:fld id="{C1A79DA7-38DB-42FC-9735-070EB42AA89C}" type="datetimeFigureOut">
               <a:rPr lang="ru-RU" smtClean="0"/>
-              <a:t>20.08.2015</a:t>
+              <a:t>23.08.2015</a:t>
             </a:fld>
             <a:endParaRPr lang="ru-RU"/>
           </a:p>
@@ -6595,7 +6367,7 @@
           <a:p>
             <a:fld id="{C1A79DA7-38DB-42FC-9735-070EB42AA89C}" type="datetimeFigureOut">
               <a:rPr lang="ru-RU" smtClean="0"/>
-              <a:t>20.08.2015</a:t>
+              <a:t>23.08.2015</a:t>
             </a:fld>
             <a:endParaRPr lang="ru-RU"/>
           </a:p>
@@ -6850,7 +6622,7 @@
           <a:p>
             <a:fld id="{C1A79DA7-38DB-42FC-9735-070EB42AA89C}" type="datetimeFigureOut">
               <a:rPr lang="ru-RU" smtClean="0"/>
-              <a:t>20.08.2015</a:t>
+              <a:t>23.08.2015</a:t>
             </a:fld>
             <a:endParaRPr lang="ru-RU"/>
           </a:p>
@@ -7155,7 +6927,7 @@
           <a:p>
             <a:fld id="{C1A79DA7-38DB-42FC-9735-070EB42AA89C}" type="datetimeFigureOut">
               <a:rPr lang="ru-RU" smtClean="0"/>
-              <a:t>20.08.2015</a:t>
+              <a:t>23.08.2015</a:t>
             </a:fld>
             <a:endParaRPr lang="ru-RU"/>
           </a:p>
@@ -7857,7 +7629,7 @@
           <a:p>
             <a:fld id="{C1A79DA7-38DB-42FC-9735-070EB42AA89C}" type="datetimeFigureOut">
               <a:rPr lang="ru-RU" smtClean="0"/>
-              <a:t>20.08.2015</a:t>
+              <a:t>23.08.2015</a:t>
             </a:fld>
             <a:endParaRPr lang="ru-RU"/>
           </a:p>
@@ -10582,6 +10354,46 @@
       </p:grpSpPr>
       <p:sp>
         <p:nvSpPr>
+          <p:cNvPr id="22" name="Блок-схема: процесс 21"/>
+          <p:cNvSpPr/>
+          <p:nvPr/>
+        </p:nvSpPr>
+        <p:spPr>
+          <a:xfrm>
+            <a:off x="798022" y="3100647"/>
+            <a:ext cx="6068291" cy="3158837"/>
+          </a:xfrm>
+          <a:prstGeom prst="flowChartProcess">
+            <a:avLst/>
+          </a:prstGeom>
+        </p:spPr>
+        <p:style>
+          <a:lnRef idx="2">
+            <a:schemeClr val="accent1">
+              <a:shade val="50000"/>
+            </a:schemeClr>
+          </a:lnRef>
+          <a:fillRef idx="1">
+            <a:schemeClr val="accent1"/>
+          </a:fillRef>
+          <a:effectRef idx="0">
+            <a:schemeClr val="accent1"/>
+          </a:effectRef>
+          <a:fontRef idx="minor">
+            <a:schemeClr val="lt1"/>
+          </a:fontRef>
+        </p:style>
+        <p:txBody>
+          <a:bodyPr rtlCol="0" anchor="ctr"/>
+          <a:lstStyle/>
+          <a:p>
+            <a:pPr algn="ctr"/>
+            <a:endParaRPr lang="ru-RU"/>
+          </a:p>
+        </p:txBody>
+      </p:sp>
+      <p:sp>
+        <p:nvSpPr>
           <p:cNvPr id="2" name="Заголовок 1"/>
           <p:cNvSpPr>
             <a:spLocks noGrp="1"/>
@@ -10597,184 +10409,491 @@
           <a:p>
             <a:r>
               <a:rPr lang="en-US" dirty="0" smtClean="0"/>
-              <a:t>DLP Usage Notes</a:t>
+              <a:t>Embedded Hardware Architecture</a:t>
             </a:r>
             <a:endParaRPr lang="ru-RU" dirty="0"/>
           </a:p>
         </p:txBody>
       </p:sp>
-      <p:sp>
-        <p:nvSpPr>
-          <p:cNvPr id="3" name="Объект 2"/>
-          <p:cNvSpPr>
-            <a:spLocks noGrp="1"/>
-          </p:cNvSpPr>
+      <p:pic>
+        <p:nvPicPr>
+          <p:cNvPr id="6" name="Объект 5"/>
+          <p:cNvPicPr>
+            <a:picLocks noGrp="1" noChangeAspect="1"/>
+          </p:cNvPicPr>
           <p:nvPr>
             <p:ph idx="1"/>
           </p:nvPr>
-        </p:nvSpPr>
+        </p:nvPicPr>
+        <p:blipFill>
+          <a:blip r:embed="rId2" cstate="print">
+            <a:extLst>
+              <a:ext uri="{28A0092B-C50C-407E-A947-70E740481C1C}">
+                <a14:useLocalDpi xmlns:a14="http://schemas.microsoft.com/office/drawing/2010/main" val="0"/>
+              </a:ext>
+            </a:extLst>
+          </a:blip>
+          <a:stretch>
+            <a:fillRect/>
+          </a:stretch>
+        </p:blipFill>
         <p:spPr>
           <a:xfrm>
-            <a:off x="677334" y="1529543"/>
-            <a:ext cx="8596668" cy="4511820"/>
+            <a:off x="7025602" y="3422272"/>
+            <a:ext cx="1331057" cy="940059"/>
           </a:xfrm>
         </p:spPr>
-        <p:txBody>
-          <a:bodyPr>
-            <a:normAutofit/>
-          </a:bodyPr>
+      </p:pic>
+      <p:sp>
+        <p:nvSpPr>
+          <p:cNvPr id="5" name="Двойная стрелка влево/вправо 4"/>
+          <p:cNvSpPr/>
+          <p:nvPr/>
+        </p:nvSpPr>
+        <p:spPr>
+          <a:xfrm>
+            <a:off x="775115" y="2339010"/>
+            <a:ext cx="10321964" cy="548640"/>
+          </a:xfrm>
+          <a:prstGeom prst="leftRightArrow">
+            <a:avLst/>
+          </a:prstGeom>
+        </p:spPr>
+        <p:style>
+          <a:lnRef idx="2">
+            <a:schemeClr val="accent1">
+              <a:shade val="50000"/>
+            </a:schemeClr>
+          </a:lnRef>
+          <a:fillRef idx="1">
+            <a:schemeClr val="accent1"/>
+          </a:fillRef>
+          <a:effectRef idx="0">
+            <a:schemeClr val="accent1"/>
+          </a:effectRef>
+          <a:fontRef idx="minor">
+            <a:schemeClr val="lt1"/>
+          </a:fontRef>
+        </p:style>
+        <p:txBody>
+          <a:bodyPr rtlCol="0" anchor="ctr"/>
           <a:lstStyle/>
           <a:p>
-            <a:r>
-              <a:rPr lang="en-US" dirty="0" smtClean="0"/>
-              <a:t>Usual DLP chip micro-mirrors have 3-state (3 micro-mirror reflection angle)</a:t>
-            </a:r>
-          </a:p>
-          <a:p>
-            <a:pPr lvl="1"/>
-            <a:r>
-              <a:rPr lang="en-US" dirty="0" smtClean="0"/>
-              <a:t>Parked</a:t>
-            </a:r>
-          </a:p>
-          <a:p>
-            <a:pPr lvl="1"/>
-            <a:r>
-              <a:rPr lang="en-US" dirty="0" smtClean="0"/>
-              <a:t>On or Off</a:t>
-            </a:r>
-          </a:p>
-          <a:p>
-            <a:pPr marL="342900" lvl="1" indent="-342900"/>
-            <a:r>
-              <a:rPr lang="en-US" dirty="0" smtClean="0"/>
-              <a:t>Technology to generate grayed image by fast switch between On and Off states used by video projectors is not applicable by Optical Computing.</a:t>
-            </a:r>
-          </a:p>
-          <a:p>
-            <a:pPr marL="342900" lvl="1" indent="-342900"/>
-            <a:r>
-              <a:rPr lang="en-US" dirty="0" smtClean="0"/>
-              <a:t>Solution Ways in case using </a:t>
-            </a:r>
-            <a:r>
-              <a:rPr lang="en-US" dirty="0"/>
-              <a:t>DLP chip </a:t>
-            </a:r>
-            <a:r>
-              <a:rPr lang="en-US" dirty="0" smtClean="0"/>
-              <a:t>of micro-mirrors with limited states is</a:t>
-            </a:r>
-          </a:p>
-          <a:p>
-            <a:pPr marL="742950" lvl="2" indent="-342900"/>
-            <a:r>
-              <a:rPr lang="en-US" dirty="0" smtClean="0"/>
-              <a:t>Do calculations with 1-bit numbers and apply iteration math algorithms to up precision</a:t>
-            </a:r>
-          </a:p>
-          <a:p>
-            <a:pPr marL="742950" lvl="2" indent="-342900"/>
-            <a:r>
-              <a:rPr lang="en-US" dirty="0" smtClean="0"/>
-              <a:t>Use group of micro-mirrors to generate gray color</a:t>
-            </a:r>
-          </a:p>
-          <a:p>
-            <a:pPr marL="342900" lvl="1" indent="-342900"/>
-            <a:r>
-              <a:rPr lang="en-US" dirty="0" smtClean="0"/>
-              <a:t>Another way to use </a:t>
-            </a:r>
-            <a:r>
-              <a:rPr lang="en-US" dirty="0"/>
-              <a:t>micro-mirrors </a:t>
-            </a:r>
-            <a:r>
-              <a:rPr lang="en-US" dirty="0" smtClean="0"/>
-              <a:t>with 3-state in binary mode in case of slow MIS is</a:t>
-            </a:r>
-          </a:p>
-          <a:p>
-            <a:pPr marL="742950" lvl="2" indent="-342900"/>
-            <a:r>
-              <a:rPr lang="en-US" dirty="0" smtClean="0"/>
-              <a:t>Transparent = Parked state</a:t>
-            </a:r>
-          </a:p>
-          <a:p>
-            <a:pPr marL="742950" lvl="2" indent="-342900"/>
-            <a:r>
-              <a:rPr lang="en-US" dirty="0" smtClean="0"/>
-              <a:t>Opaque = </a:t>
-            </a:r>
-            <a:r>
-              <a:rPr lang="en-US" dirty="0"/>
-              <a:t>fast </a:t>
-            </a:r>
-            <a:r>
-              <a:rPr lang="en-US" dirty="0" smtClean="0"/>
-              <a:t>random switch </a:t>
-            </a:r>
-            <a:r>
-              <a:rPr lang="en-US" dirty="0"/>
-              <a:t>between </a:t>
-            </a:r>
-            <a:r>
-              <a:rPr lang="en-US" dirty="0" smtClean="0"/>
-              <a:t>On </a:t>
-            </a:r>
-            <a:r>
-              <a:rPr lang="en-US" dirty="0"/>
-              <a:t>and Off </a:t>
-            </a:r>
-            <a:r>
-              <a:rPr lang="en-US" dirty="0" smtClean="0"/>
-              <a:t>states. </a:t>
-            </a:r>
-          </a:p>
-          <a:p>
-            <a:pPr marL="1200150" lvl="3" indent="-342900"/>
-            <a:r>
-              <a:rPr lang="en-US" dirty="0" smtClean="0"/>
-              <a:t>fast </a:t>
-            </a:r>
-            <a:r>
-              <a:rPr lang="en-US" dirty="0"/>
-              <a:t>random switch between </a:t>
-            </a:r>
-            <a:r>
-              <a:rPr lang="en-US" dirty="0" smtClean="0"/>
-              <a:t>two states will generate average energy picture caused </a:t>
-            </a:r>
-            <a:r>
-              <a:rPr lang="en-US" smtClean="0"/>
-              <a:t>random diffraction pictures </a:t>
-            </a:r>
-            <a:r>
-              <a:rPr lang="en-US" dirty="0" smtClean="0"/>
-              <a:t>cached by MIS </a:t>
-            </a:r>
-            <a:endParaRPr lang="en-US" dirty="0"/>
-          </a:p>
-          <a:p>
-            <a:pPr marL="742950" lvl="2" indent="-342900"/>
-            <a:endParaRPr lang="en-US" dirty="0" smtClean="0"/>
-          </a:p>
-          <a:p>
-            <a:pPr marL="742950" lvl="2" indent="-342900"/>
-            <a:endParaRPr lang="en-US" dirty="0" smtClean="0"/>
-          </a:p>
-          <a:p>
-            <a:pPr marL="342900" lvl="1" indent="-342900"/>
+            <a:pPr algn="ctr"/>
+            <a:r>
+              <a:rPr lang="en-US" dirty="0" smtClean="0"/>
+              <a:t>Ethernet</a:t>
+            </a:r>
             <a:endParaRPr lang="ru-RU" dirty="0"/>
           </a:p>
         </p:txBody>
       </p:sp>
+      <p:pic>
+        <p:nvPicPr>
+          <p:cNvPr id="7" name="Объект 5"/>
+          <p:cNvPicPr>
+            <a:picLocks noChangeAspect="1"/>
+          </p:cNvPicPr>
+          <p:nvPr/>
+        </p:nvPicPr>
+        <p:blipFill>
+          <a:blip r:embed="rId2" cstate="print">
+            <a:extLst>
+              <a:ext uri="{28A0092B-C50C-407E-A947-70E740481C1C}">
+                <a14:useLocalDpi xmlns:a14="http://schemas.microsoft.com/office/drawing/2010/main" val="0"/>
+              </a:ext>
+            </a:extLst>
+          </a:blip>
+          <a:stretch>
+            <a:fillRect/>
+          </a:stretch>
+        </p:blipFill>
+        <p:spPr>
+          <a:xfrm>
+            <a:off x="8434965" y="3422271"/>
+            <a:ext cx="1331057" cy="940059"/>
+          </a:xfrm>
+          <a:prstGeom prst="rect">
+            <a:avLst/>
+          </a:prstGeom>
+        </p:spPr>
+      </p:pic>
+      <p:pic>
+        <p:nvPicPr>
+          <p:cNvPr id="8" name="Объект 5"/>
+          <p:cNvPicPr>
+            <a:picLocks noChangeAspect="1"/>
+          </p:cNvPicPr>
+          <p:nvPr/>
+        </p:nvPicPr>
+        <p:blipFill>
+          <a:blip r:embed="rId2" cstate="print">
+            <a:extLst>
+              <a:ext uri="{28A0092B-C50C-407E-A947-70E740481C1C}">
+                <a14:useLocalDpi xmlns:a14="http://schemas.microsoft.com/office/drawing/2010/main" val="0"/>
+              </a:ext>
+            </a:extLst>
+          </a:blip>
+          <a:stretch>
+            <a:fillRect/>
+          </a:stretch>
+        </p:blipFill>
+        <p:spPr>
+          <a:xfrm>
+            <a:off x="9766022" y="3422271"/>
+            <a:ext cx="1331057" cy="940059"/>
+          </a:xfrm>
+          <a:prstGeom prst="rect">
+            <a:avLst/>
+          </a:prstGeom>
+        </p:spPr>
+      </p:pic>
+      <p:sp>
+        <p:nvSpPr>
+          <p:cNvPr id="10" name="Двойная стрелка влево/вправо 9"/>
+          <p:cNvSpPr/>
+          <p:nvPr/>
+        </p:nvSpPr>
+        <p:spPr>
+          <a:xfrm>
+            <a:off x="2090775" y="4576616"/>
+            <a:ext cx="3276483" cy="576016"/>
+          </a:xfrm>
+          <a:prstGeom prst="leftRightArrow">
+            <a:avLst/>
+          </a:prstGeom>
+        </p:spPr>
+        <p:style>
+          <a:lnRef idx="2">
+            <a:schemeClr val="accent1">
+              <a:shade val="50000"/>
+            </a:schemeClr>
+          </a:lnRef>
+          <a:fillRef idx="1">
+            <a:schemeClr val="accent1"/>
+          </a:fillRef>
+          <a:effectRef idx="0">
+            <a:schemeClr val="accent1"/>
+          </a:effectRef>
+          <a:fontRef idx="minor">
+            <a:schemeClr val="lt1"/>
+          </a:fontRef>
+        </p:style>
+        <p:txBody>
+          <a:bodyPr rtlCol="0" anchor="ctr"/>
+          <a:lstStyle/>
+          <a:p>
+            <a:pPr algn="ctr"/>
+            <a:r>
+              <a:rPr lang="en-US" dirty="0" smtClean="0"/>
+              <a:t>HDMI</a:t>
+            </a:r>
+            <a:endParaRPr lang="ru-RU" dirty="0"/>
+          </a:p>
+        </p:txBody>
+      </p:sp>
+      <p:pic>
+        <p:nvPicPr>
+          <p:cNvPr id="12" name="Рисунок 11"/>
+          <p:cNvPicPr>
+            <a:picLocks noChangeAspect="1"/>
+          </p:cNvPicPr>
+          <p:nvPr/>
+        </p:nvPicPr>
+        <p:blipFill>
+          <a:blip r:embed="rId3" cstate="print">
+            <a:extLst>
+              <a:ext uri="{28A0092B-C50C-407E-A947-70E740481C1C}">
+                <a14:useLocalDpi xmlns:a14="http://schemas.microsoft.com/office/drawing/2010/main" val="0"/>
+              </a:ext>
+            </a:extLst>
+          </a:blip>
+          <a:stretch>
+            <a:fillRect/>
+          </a:stretch>
+        </p:blipFill>
+        <p:spPr>
+          <a:xfrm>
+            <a:off x="4474613" y="5358331"/>
+            <a:ext cx="860855" cy="473386"/>
+          </a:xfrm>
+          <a:prstGeom prst="rect">
+            <a:avLst/>
+          </a:prstGeom>
+        </p:spPr>
+      </p:pic>
+      <p:pic>
+        <p:nvPicPr>
+          <p:cNvPr id="13" name="Рисунок 12"/>
+          <p:cNvPicPr>
+            <a:picLocks noChangeAspect="1"/>
+          </p:cNvPicPr>
+          <p:nvPr/>
+        </p:nvPicPr>
+        <p:blipFill>
+          <a:blip r:embed="rId4" cstate="print">
+            <a:extLst>
+              <a:ext uri="{28A0092B-C50C-407E-A947-70E740481C1C}">
+                <a14:useLocalDpi xmlns:a14="http://schemas.microsoft.com/office/drawing/2010/main" val="0"/>
+              </a:ext>
+            </a:extLst>
+          </a:blip>
+          <a:stretch>
+            <a:fillRect/>
+          </a:stretch>
+        </p:blipFill>
+        <p:spPr>
+          <a:xfrm>
+            <a:off x="1442062" y="5514663"/>
+            <a:ext cx="509736" cy="468048"/>
+          </a:xfrm>
+          <a:prstGeom prst="rect">
+            <a:avLst/>
+          </a:prstGeom>
+        </p:spPr>
+      </p:pic>
+      <p:pic>
+        <p:nvPicPr>
+          <p:cNvPr id="14" name="Рисунок 13"/>
+          <p:cNvPicPr>
+            <a:picLocks noChangeAspect="1"/>
+          </p:cNvPicPr>
+          <p:nvPr/>
+        </p:nvPicPr>
+        <p:blipFill>
+          <a:blip r:embed="rId5" cstate="print">
+            <a:extLst>
+              <a:ext uri="{28A0092B-C50C-407E-A947-70E740481C1C}">
+                <a14:useLocalDpi xmlns:a14="http://schemas.microsoft.com/office/drawing/2010/main" val="0"/>
+              </a:ext>
+            </a:extLst>
+          </a:blip>
+          <a:stretch>
+            <a:fillRect/>
+          </a:stretch>
+        </p:blipFill>
+        <p:spPr>
+          <a:xfrm>
+            <a:off x="2895893" y="3223293"/>
+            <a:ext cx="1581603" cy="1338016"/>
+          </a:xfrm>
+          <a:prstGeom prst="rect">
+            <a:avLst/>
+          </a:prstGeom>
+        </p:spPr>
+      </p:pic>
+      <p:pic>
+        <p:nvPicPr>
+          <p:cNvPr id="17" name="Рисунок 16"/>
+          <p:cNvPicPr>
+            <a:picLocks noChangeAspect="1"/>
+          </p:cNvPicPr>
+          <p:nvPr/>
+        </p:nvPicPr>
+        <p:blipFill>
+          <a:blip r:embed="rId3" cstate="print">
+            <a:extLst>
+              <a:ext uri="{28A0092B-C50C-407E-A947-70E740481C1C}">
+                <a14:useLocalDpi xmlns:a14="http://schemas.microsoft.com/office/drawing/2010/main" val="0"/>
+              </a:ext>
+            </a:extLst>
+          </a:blip>
+          <a:stretch>
+            <a:fillRect/>
+          </a:stretch>
+        </p:blipFill>
+        <p:spPr>
+          <a:xfrm>
+            <a:off x="3702497" y="5358331"/>
+            <a:ext cx="860855" cy="473386"/>
+          </a:xfrm>
+          <a:prstGeom prst="rect">
+            <a:avLst/>
+          </a:prstGeom>
+        </p:spPr>
+      </p:pic>
+      <p:pic>
+        <p:nvPicPr>
+          <p:cNvPr id="18" name="Рисунок 17"/>
+          <p:cNvPicPr>
+            <a:picLocks noChangeAspect="1"/>
+          </p:cNvPicPr>
+          <p:nvPr/>
+        </p:nvPicPr>
+        <p:blipFill>
+          <a:blip r:embed="rId3" cstate="print">
+            <a:extLst>
+              <a:ext uri="{28A0092B-C50C-407E-A947-70E740481C1C}">
+                <a14:useLocalDpi xmlns:a14="http://schemas.microsoft.com/office/drawing/2010/main" val="0"/>
+              </a:ext>
+            </a:extLst>
+          </a:blip>
+          <a:stretch>
+            <a:fillRect/>
+          </a:stretch>
+        </p:blipFill>
+        <p:spPr>
+          <a:xfrm>
+            <a:off x="2923215" y="5350643"/>
+            <a:ext cx="860855" cy="473386"/>
+          </a:xfrm>
+          <a:prstGeom prst="rect">
+            <a:avLst/>
+          </a:prstGeom>
+        </p:spPr>
+      </p:pic>
+      <p:pic>
+        <p:nvPicPr>
+          <p:cNvPr id="19" name="Рисунок 18"/>
+          <p:cNvPicPr>
+            <a:picLocks noChangeAspect="1"/>
+          </p:cNvPicPr>
+          <p:nvPr/>
+        </p:nvPicPr>
+        <p:blipFill>
+          <a:blip r:embed="rId3" cstate="print">
+            <a:extLst>
+              <a:ext uri="{28A0092B-C50C-407E-A947-70E740481C1C}">
+                <a14:useLocalDpi xmlns:a14="http://schemas.microsoft.com/office/drawing/2010/main" val="0"/>
+              </a:ext>
+            </a:extLst>
+          </a:blip>
+          <a:stretch>
+            <a:fillRect/>
+          </a:stretch>
+        </p:blipFill>
+        <p:spPr>
+          <a:xfrm>
+            <a:off x="2155563" y="5350643"/>
+            <a:ext cx="860855" cy="473386"/>
+          </a:xfrm>
+          <a:prstGeom prst="rect">
+            <a:avLst/>
+          </a:prstGeom>
+        </p:spPr>
+      </p:pic>
+      <p:sp>
+        <p:nvSpPr>
+          <p:cNvPr id="20" name="Двойная стрелка влево/вправо 19"/>
+          <p:cNvSpPr/>
+          <p:nvPr/>
+        </p:nvSpPr>
+        <p:spPr>
+          <a:xfrm>
+            <a:off x="5385703" y="4561309"/>
+            <a:ext cx="1119234" cy="576016"/>
+          </a:xfrm>
+          <a:prstGeom prst="leftRightArrow">
+            <a:avLst/>
+          </a:prstGeom>
+        </p:spPr>
+        <p:style>
+          <a:lnRef idx="2">
+            <a:schemeClr val="accent1">
+              <a:shade val="50000"/>
+            </a:schemeClr>
+          </a:lnRef>
+          <a:fillRef idx="1">
+            <a:schemeClr val="accent1"/>
+          </a:fillRef>
+          <a:effectRef idx="0">
+            <a:schemeClr val="accent1"/>
+          </a:effectRef>
+          <a:fontRef idx="minor">
+            <a:schemeClr val="lt1"/>
+          </a:fontRef>
+        </p:style>
+        <p:txBody>
+          <a:bodyPr rtlCol="0" anchor="ctr"/>
+          <a:lstStyle/>
+          <a:p>
+            <a:pPr algn="ctr"/>
+            <a:r>
+              <a:rPr lang="en-US" dirty="0" smtClean="0"/>
+              <a:t>USB</a:t>
+            </a:r>
+            <a:endParaRPr lang="ru-RU" dirty="0"/>
+          </a:p>
+        </p:txBody>
+      </p:sp>
+      <p:sp>
+        <p:nvSpPr>
+          <p:cNvPr id="21" name="Двойная стрелка влево/вправо 20"/>
+          <p:cNvSpPr/>
+          <p:nvPr/>
+        </p:nvSpPr>
+        <p:spPr>
+          <a:xfrm>
+            <a:off x="948623" y="4578440"/>
+            <a:ext cx="1109873" cy="574192"/>
+          </a:xfrm>
+          <a:prstGeom prst="leftRightArrow">
+            <a:avLst/>
+          </a:prstGeom>
+        </p:spPr>
+        <p:style>
+          <a:lnRef idx="2">
+            <a:schemeClr val="accent1">
+              <a:shade val="50000"/>
+            </a:schemeClr>
+          </a:lnRef>
+          <a:fillRef idx="1">
+            <a:schemeClr val="accent1"/>
+          </a:fillRef>
+          <a:effectRef idx="0">
+            <a:schemeClr val="accent1"/>
+          </a:effectRef>
+          <a:fontRef idx="minor">
+            <a:schemeClr val="lt1"/>
+          </a:fontRef>
+        </p:style>
+        <p:txBody>
+          <a:bodyPr rtlCol="0" anchor="ctr"/>
+          <a:lstStyle/>
+          <a:p>
+            <a:pPr algn="ctr"/>
+            <a:r>
+              <a:rPr lang="en-US" dirty="0" smtClean="0"/>
+              <a:t>Serial</a:t>
+            </a:r>
+            <a:endParaRPr lang="ru-RU" dirty="0"/>
+          </a:p>
+        </p:txBody>
+      </p:sp>
+      <p:pic>
+        <p:nvPicPr>
+          <p:cNvPr id="23" name="Рисунок 22"/>
+          <p:cNvPicPr>
+            <a:picLocks noChangeAspect="1"/>
+          </p:cNvPicPr>
+          <p:nvPr/>
+        </p:nvPicPr>
+        <p:blipFill>
+          <a:blip r:embed="rId6" cstate="print">
+            <a:extLst>
+              <a:ext uri="{28A0092B-C50C-407E-A947-70E740481C1C}">
+                <a14:useLocalDpi xmlns:a14="http://schemas.microsoft.com/office/drawing/2010/main" val="0"/>
+              </a:ext>
+            </a:extLst>
+          </a:blip>
+          <a:stretch>
+            <a:fillRect/>
+          </a:stretch>
+        </p:blipFill>
+        <p:spPr>
+          <a:xfrm>
+            <a:off x="5588789" y="5224705"/>
+            <a:ext cx="725262" cy="725262"/>
+          </a:xfrm>
+          <a:prstGeom prst="rect">
+            <a:avLst/>
+          </a:prstGeom>
+        </p:spPr>
+      </p:pic>
     </p:spTree>
     <p:extLst>
       <p:ext uri="{BB962C8B-B14F-4D97-AF65-F5344CB8AC3E}">
-        <p14:creationId xmlns:p14="http://schemas.microsoft.com/office/powerpoint/2010/main" val="1751927340"/>
+        <p14:creationId xmlns:p14="http://schemas.microsoft.com/office/powerpoint/2010/main" val="320108032"/>
       </p:ext>
     </p:extLst>
   </p:cSld>
@@ -10803,6 +10922,46 @@
       </p:grpSpPr>
       <p:sp>
         <p:nvSpPr>
+          <p:cNvPr id="22" name="Блок-схема: процесс 21"/>
+          <p:cNvSpPr/>
+          <p:nvPr/>
+        </p:nvSpPr>
+        <p:spPr>
+          <a:xfrm>
+            <a:off x="798022" y="3100647"/>
+            <a:ext cx="6068291" cy="3158837"/>
+          </a:xfrm>
+          <a:prstGeom prst="flowChartProcess">
+            <a:avLst/>
+          </a:prstGeom>
+        </p:spPr>
+        <p:style>
+          <a:lnRef idx="2">
+            <a:schemeClr val="accent1">
+              <a:shade val="50000"/>
+            </a:schemeClr>
+          </a:lnRef>
+          <a:fillRef idx="1">
+            <a:schemeClr val="accent1"/>
+          </a:fillRef>
+          <a:effectRef idx="0">
+            <a:schemeClr val="accent1"/>
+          </a:effectRef>
+          <a:fontRef idx="minor">
+            <a:schemeClr val="lt1"/>
+          </a:fontRef>
+        </p:style>
+        <p:txBody>
+          <a:bodyPr rtlCol="0" anchor="ctr"/>
+          <a:lstStyle/>
+          <a:p>
+            <a:pPr algn="ctr"/>
+            <a:endParaRPr lang="ru-RU"/>
+          </a:p>
+        </p:txBody>
+      </p:sp>
+      <p:sp>
+        <p:nvSpPr>
           <p:cNvPr id="2" name="Заголовок 1"/>
           <p:cNvSpPr>
             <a:spLocks noGrp="1"/>
@@ -10817,195 +10976,462 @@
           <a:lstStyle/>
           <a:p>
             <a:r>
-              <a:rPr lang="en-US" dirty="0"/>
-              <a:t>Optical Box </a:t>
-            </a:r>
-            <a:r>
-              <a:rPr lang="en-US" dirty="0" smtClean="0"/>
-              <a:t>Math</a:t>
+              <a:rPr lang="en-US" dirty="0" smtClean="0"/>
+              <a:t>Embedded Software Architecture</a:t>
             </a:r>
             <a:endParaRPr lang="ru-RU" dirty="0"/>
           </a:p>
         </p:txBody>
       </p:sp>
-      <p:sp>
-        <p:nvSpPr>
-          <p:cNvPr id="3" name="Объект 2"/>
-          <p:cNvSpPr>
-            <a:spLocks noGrp="1"/>
-          </p:cNvSpPr>
+      <p:pic>
+        <p:nvPicPr>
+          <p:cNvPr id="6" name="Объект 5"/>
+          <p:cNvPicPr>
+            <a:picLocks noGrp="1" noChangeAspect="1"/>
+          </p:cNvPicPr>
           <p:nvPr>
             <p:ph idx="1"/>
           </p:nvPr>
-        </p:nvSpPr>
-        <p:spPr/>
-        <p:txBody>
-          <a:bodyPr>
-            <a:normAutofit lnSpcReduction="10000"/>
-          </a:bodyPr>
+        </p:nvPicPr>
+        <p:blipFill>
+          <a:blip r:embed="rId2" cstate="print">
+            <a:extLst>
+              <a:ext uri="{28A0092B-C50C-407E-A947-70E740481C1C}">
+                <a14:useLocalDpi xmlns:a14="http://schemas.microsoft.com/office/drawing/2010/main" val="0"/>
+              </a:ext>
+            </a:extLst>
+          </a:blip>
+          <a:stretch>
+            <a:fillRect/>
+          </a:stretch>
+        </p:blipFill>
+        <p:spPr>
+          <a:xfrm>
+            <a:off x="7025602" y="3422272"/>
+            <a:ext cx="1331057" cy="940059"/>
+          </a:xfrm>
+        </p:spPr>
+      </p:pic>
+      <p:sp>
+        <p:nvSpPr>
+          <p:cNvPr id="5" name="Двойная стрелка влево/вправо 4"/>
+          <p:cNvSpPr/>
+          <p:nvPr/>
+        </p:nvSpPr>
+        <p:spPr>
+          <a:xfrm>
+            <a:off x="775115" y="2339010"/>
+            <a:ext cx="10321964" cy="548640"/>
+          </a:xfrm>
+          <a:prstGeom prst="leftRightArrow">
+            <a:avLst/>
+          </a:prstGeom>
+        </p:spPr>
+        <p:style>
+          <a:lnRef idx="2">
+            <a:schemeClr val="accent1">
+              <a:shade val="50000"/>
+            </a:schemeClr>
+          </a:lnRef>
+          <a:fillRef idx="1">
+            <a:schemeClr val="accent1"/>
+          </a:fillRef>
+          <a:effectRef idx="0">
+            <a:schemeClr val="accent1"/>
+          </a:effectRef>
+          <a:fontRef idx="minor">
+            <a:schemeClr val="lt1"/>
+          </a:fontRef>
+        </p:style>
+        <p:txBody>
+          <a:bodyPr rtlCol="0" anchor="ctr"/>
           <a:lstStyle/>
           <a:p>
-            <a:r>
-              <a:rPr lang="en-US" dirty="0"/>
-              <a:t>Optical Box Design do </a:t>
-            </a:r>
-            <a:r>
-              <a:rPr lang="en-US" dirty="0" smtClean="0"/>
-              <a:t>parallel math calculations of signals on DLP</a:t>
-            </a:r>
-          </a:p>
-          <a:p>
-            <a:r>
-              <a:rPr lang="en-US" dirty="0"/>
-              <a:t>Optical Box </a:t>
-            </a:r>
-            <a:r>
-              <a:rPr lang="en-US" dirty="0" smtClean="0"/>
-              <a:t>Design do not calculate Fourier </a:t>
-            </a:r>
-            <a:r>
-              <a:rPr lang="en-US" dirty="0"/>
-              <a:t>transforming </a:t>
-            </a:r>
-            <a:endParaRPr lang="en-US" dirty="0" smtClean="0"/>
-          </a:p>
-          <a:p>
-            <a:r>
-              <a:rPr lang="en-US" dirty="0"/>
-              <a:t>Optical Box Design do </a:t>
-            </a:r>
-            <a:r>
-              <a:rPr lang="en-US" dirty="0" smtClean="0"/>
-              <a:t>calculate Some (Unknown, depended from device implementation) Matrix Multiplication transforming </a:t>
-            </a:r>
-            <a:r>
-              <a:rPr lang="en-US" dirty="0"/>
-              <a:t>of signals on each FZP </a:t>
-            </a:r>
-            <a:endParaRPr lang="en-US" dirty="0" smtClean="0"/>
-          </a:p>
-          <a:p>
-            <a:r>
-              <a:rPr lang="en-US" dirty="0" smtClean="0"/>
-              <a:t>Because </a:t>
-            </a:r>
-            <a:r>
-              <a:rPr lang="en-US" dirty="0"/>
-              <a:t>Optical Box Design has </a:t>
-            </a:r>
-            <a:r>
-              <a:rPr lang="en-US" dirty="0" smtClean="0"/>
-              <a:t>more then two DLP</a:t>
-            </a:r>
-          </a:p>
-          <a:p>
-            <a:pPr lvl="1"/>
-            <a:r>
-              <a:rPr lang="en-US" dirty="0" smtClean="0"/>
-              <a:t>Reverse of Unknown Matrix </a:t>
-            </a:r>
-          </a:p>
-          <a:p>
-            <a:pPr lvl="2"/>
-            <a:r>
-              <a:rPr lang="en-US" dirty="0" smtClean="0"/>
-              <a:t>Can be calculated by experiments (during Optical </a:t>
-            </a:r>
-            <a:r>
-              <a:rPr lang="en-US" dirty="0"/>
-              <a:t>Box </a:t>
-            </a:r>
-            <a:r>
-              <a:rPr lang="en-US" dirty="0" smtClean="0"/>
-              <a:t>Calibration)</a:t>
-            </a:r>
-          </a:p>
-          <a:p>
-            <a:pPr lvl="2"/>
-            <a:r>
-              <a:rPr lang="en-US" dirty="0" smtClean="0"/>
-              <a:t>Can be saved for future use in embedded memory of </a:t>
-            </a:r>
-            <a:r>
-              <a:rPr lang="en-US" dirty="0"/>
-              <a:t>Optical Box </a:t>
-            </a:r>
-            <a:endParaRPr lang="en-US" dirty="0" smtClean="0"/>
-          </a:p>
-          <a:p>
-            <a:pPr lvl="2"/>
-            <a:r>
-              <a:rPr lang="en-US" dirty="0" smtClean="0"/>
-              <a:t>Can be used for </a:t>
-            </a:r>
-            <a:r>
-              <a:rPr lang="en-US" dirty="0"/>
-              <a:t>calculation needed </a:t>
-            </a:r>
-            <a:endParaRPr lang="en-US" dirty="0" smtClean="0"/>
-          </a:p>
-          <a:p>
-            <a:pPr lvl="1"/>
-            <a:r>
-              <a:rPr lang="en-US" dirty="0" smtClean="0"/>
-              <a:t>One DLP (if light is high polarized) or two DLP </a:t>
-            </a:r>
-            <a:r>
-              <a:rPr lang="en-US" dirty="0"/>
-              <a:t>(if light is </a:t>
-            </a:r>
-            <a:r>
-              <a:rPr lang="en-US" dirty="0" smtClean="0"/>
-              <a:t>low polarized</a:t>
-            </a:r>
-            <a:r>
-              <a:rPr lang="en-US" dirty="0"/>
-              <a:t>)</a:t>
-            </a:r>
-            <a:r>
-              <a:rPr lang="en-US" dirty="0" smtClean="0"/>
-              <a:t> can be used to correct total matrix production for </a:t>
-            </a:r>
-            <a:r>
-              <a:rPr lang="en-US" dirty="0"/>
-              <a:t>calculation </a:t>
-            </a:r>
-            <a:r>
-              <a:rPr lang="en-US" dirty="0" smtClean="0"/>
-              <a:t>needed like </a:t>
-            </a:r>
-            <a:r>
-              <a:rPr lang="en-US" dirty="0"/>
-              <a:t>Fourier </a:t>
-            </a:r>
-            <a:r>
-              <a:rPr lang="en-US" dirty="0" smtClean="0"/>
-              <a:t>transforming,</a:t>
-            </a:r>
-            <a:r>
-              <a:rPr lang="en-US" dirty="0"/>
-              <a:t> Walsh-</a:t>
-            </a:r>
-            <a:r>
-              <a:rPr lang="en-US" dirty="0" err="1"/>
-              <a:t>Hadamar</a:t>
-            </a:r>
-            <a:r>
-              <a:rPr lang="en-US" dirty="0"/>
-              <a:t> </a:t>
-            </a:r>
-            <a:r>
-              <a:rPr lang="en-US" dirty="0" smtClean="0"/>
-              <a:t>transforming and etc.</a:t>
+            <a:pPr algn="ctr"/>
+            <a:r>
+              <a:rPr lang="en-US" dirty="0" smtClean="0"/>
+              <a:t>TCP/IP</a:t>
             </a:r>
             <a:endParaRPr lang="ru-RU" dirty="0"/>
           </a:p>
         </p:txBody>
       </p:sp>
+      <p:pic>
+        <p:nvPicPr>
+          <p:cNvPr id="7" name="Объект 5"/>
+          <p:cNvPicPr>
+            <a:picLocks noChangeAspect="1"/>
+          </p:cNvPicPr>
+          <p:nvPr/>
+        </p:nvPicPr>
+        <p:blipFill>
+          <a:blip r:embed="rId2" cstate="print">
+            <a:extLst>
+              <a:ext uri="{28A0092B-C50C-407E-A947-70E740481C1C}">
+                <a14:useLocalDpi xmlns:a14="http://schemas.microsoft.com/office/drawing/2010/main" val="0"/>
+              </a:ext>
+            </a:extLst>
+          </a:blip>
+          <a:stretch>
+            <a:fillRect/>
+          </a:stretch>
+        </p:blipFill>
+        <p:spPr>
+          <a:xfrm>
+            <a:off x="8434965" y="3422271"/>
+            <a:ext cx="1331057" cy="940059"/>
+          </a:xfrm>
+          <a:prstGeom prst="rect">
+            <a:avLst/>
+          </a:prstGeom>
+        </p:spPr>
+      </p:pic>
+      <p:pic>
+        <p:nvPicPr>
+          <p:cNvPr id="8" name="Объект 5"/>
+          <p:cNvPicPr>
+            <a:picLocks noChangeAspect="1"/>
+          </p:cNvPicPr>
+          <p:nvPr/>
+        </p:nvPicPr>
+        <p:blipFill>
+          <a:blip r:embed="rId2" cstate="print">
+            <a:extLst>
+              <a:ext uri="{28A0092B-C50C-407E-A947-70E740481C1C}">
+                <a14:useLocalDpi xmlns:a14="http://schemas.microsoft.com/office/drawing/2010/main" val="0"/>
+              </a:ext>
+            </a:extLst>
+          </a:blip>
+          <a:stretch>
+            <a:fillRect/>
+          </a:stretch>
+        </p:blipFill>
+        <p:spPr>
+          <a:xfrm>
+            <a:off x="9766022" y="3422271"/>
+            <a:ext cx="1331057" cy="940059"/>
+          </a:xfrm>
+          <a:prstGeom prst="rect">
+            <a:avLst/>
+          </a:prstGeom>
+        </p:spPr>
+      </p:pic>
+      <p:pic>
+        <p:nvPicPr>
+          <p:cNvPr id="12" name="Рисунок 11"/>
+          <p:cNvPicPr>
+            <a:picLocks noChangeAspect="1"/>
+          </p:cNvPicPr>
+          <p:nvPr/>
+        </p:nvPicPr>
+        <p:blipFill>
+          <a:blip r:embed="rId3" cstate="print">
+            <a:extLst>
+              <a:ext uri="{28A0092B-C50C-407E-A947-70E740481C1C}">
+                <a14:useLocalDpi xmlns:a14="http://schemas.microsoft.com/office/drawing/2010/main" val="0"/>
+              </a:ext>
+            </a:extLst>
+          </a:blip>
+          <a:stretch>
+            <a:fillRect/>
+          </a:stretch>
+        </p:blipFill>
+        <p:spPr>
+          <a:xfrm>
+            <a:off x="4474613" y="5358331"/>
+            <a:ext cx="860855" cy="473386"/>
+          </a:xfrm>
+          <a:prstGeom prst="rect">
+            <a:avLst/>
+          </a:prstGeom>
+        </p:spPr>
+      </p:pic>
+      <p:pic>
+        <p:nvPicPr>
+          <p:cNvPr id="13" name="Рисунок 12"/>
+          <p:cNvPicPr>
+            <a:picLocks noChangeAspect="1"/>
+          </p:cNvPicPr>
+          <p:nvPr/>
+        </p:nvPicPr>
+        <p:blipFill>
+          <a:blip r:embed="rId4" cstate="print">
+            <a:extLst>
+              <a:ext uri="{28A0092B-C50C-407E-A947-70E740481C1C}">
+                <a14:useLocalDpi xmlns:a14="http://schemas.microsoft.com/office/drawing/2010/main" val="0"/>
+              </a:ext>
+            </a:extLst>
+          </a:blip>
+          <a:stretch>
+            <a:fillRect/>
+          </a:stretch>
+        </p:blipFill>
+        <p:spPr>
+          <a:xfrm>
+            <a:off x="1442062" y="5514663"/>
+            <a:ext cx="509736" cy="468048"/>
+          </a:xfrm>
+          <a:prstGeom prst="rect">
+            <a:avLst/>
+          </a:prstGeom>
+        </p:spPr>
+      </p:pic>
+      <p:pic>
+        <p:nvPicPr>
+          <p:cNvPr id="17" name="Рисунок 16"/>
+          <p:cNvPicPr>
+            <a:picLocks noChangeAspect="1"/>
+          </p:cNvPicPr>
+          <p:nvPr/>
+        </p:nvPicPr>
+        <p:blipFill>
+          <a:blip r:embed="rId3" cstate="print">
+            <a:extLst>
+              <a:ext uri="{28A0092B-C50C-407E-A947-70E740481C1C}">
+                <a14:useLocalDpi xmlns:a14="http://schemas.microsoft.com/office/drawing/2010/main" val="0"/>
+              </a:ext>
+            </a:extLst>
+          </a:blip>
+          <a:stretch>
+            <a:fillRect/>
+          </a:stretch>
+        </p:blipFill>
+        <p:spPr>
+          <a:xfrm>
+            <a:off x="3702497" y="5358331"/>
+            <a:ext cx="860855" cy="473386"/>
+          </a:xfrm>
+          <a:prstGeom prst="rect">
+            <a:avLst/>
+          </a:prstGeom>
+        </p:spPr>
+      </p:pic>
+      <p:pic>
+        <p:nvPicPr>
+          <p:cNvPr id="18" name="Рисунок 17"/>
+          <p:cNvPicPr>
+            <a:picLocks noChangeAspect="1"/>
+          </p:cNvPicPr>
+          <p:nvPr/>
+        </p:nvPicPr>
+        <p:blipFill>
+          <a:blip r:embed="rId3" cstate="print">
+            <a:extLst>
+              <a:ext uri="{28A0092B-C50C-407E-A947-70E740481C1C}">
+                <a14:useLocalDpi xmlns:a14="http://schemas.microsoft.com/office/drawing/2010/main" val="0"/>
+              </a:ext>
+            </a:extLst>
+          </a:blip>
+          <a:stretch>
+            <a:fillRect/>
+          </a:stretch>
+        </p:blipFill>
+        <p:spPr>
+          <a:xfrm>
+            <a:off x="2923215" y="5350643"/>
+            <a:ext cx="860855" cy="473386"/>
+          </a:xfrm>
+          <a:prstGeom prst="rect">
+            <a:avLst/>
+          </a:prstGeom>
+        </p:spPr>
+      </p:pic>
+      <p:pic>
+        <p:nvPicPr>
+          <p:cNvPr id="19" name="Рисунок 18"/>
+          <p:cNvPicPr>
+            <a:picLocks noChangeAspect="1"/>
+          </p:cNvPicPr>
+          <p:nvPr/>
+        </p:nvPicPr>
+        <p:blipFill>
+          <a:blip r:embed="rId3" cstate="print">
+            <a:extLst>
+              <a:ext uri="{28A0092B-C50C-407E-A947-70E740481C1C}">
+                <a14:useLocalDpi xmlns:a14="http://schemas.microsoft.com/office/drawing/2010/main" val="0"/>
+              </a:ext>
+            </a:extLst>
+          </a:blip>
+          <a:stretch>
+            <a:fillRect/>
+          </a:stretch>
+        </p:blipFill>
+        <p:spPr>
+          <a:xfrm>
+            <a:off x="2155563" y="5350643"/>
+            <a:ext cx="860855" cy="473386"/>
+          </a:xfrm>
+          <a:prstGeom prst="rect">
+            <a:avLst/>
+          </a:prstGeom>
+        </p:spPr>
+      </p:pic>
+      <p:sp>
+        <p:nvSpPr>
+          <p:cNvPr id="21" name="Двойная стрелка влево/вправо 20"/>
+          <p:cNvSpPr/>
+          <p:nvPr/>
+        </p:nvSpPr>
+        <p:spPr>
+          <a:xfrm>
+            <a:off x="2601883" y="3296261"/>
+            <a:ext cx="2477193" cy="702162"/>
+          </a:xfrm>
+          <a:prstGeom prst="leftRightArrow">
+            <a:avLst/>
+          </a:prstGeom>
+        </p:spPr>
+        <p:style>
+          <a:lnRef idx="2">
+            <a:schemeClr val="accent1">
+              <a:shade val="50000"/>
+            </a:schemeClr>
+          </a:lnRef>
+          <a:fillRef idx="1">
+            <a:schemeClr val="accent1"/>
+          </a:fillRef>
+          <a:effectRef idx="0">
+            <a:schemeClr val="accent1"/>
+          </a:effectRef>
+          <a:fontRef idx="minor">
+            <a:schemeClr val="lt1"/>
+          </a:fontRef>
+        </p:style>
+        <p:txBody>
+          <a:bodyPr rtlCol="0" anchor="ctr"/>
+          <a:lstStyle/>
+          <a:p>
+            <a:pPr algn="ctr"/>
+            <a:r>
+              <a:rPr lang="en-US" dirty="0" smtClean="0"/>
+              <a:t>Localhost</a:t>
+            </a:r>
+            <a:endParaRPr lang="ru-RU" dirty="0"/>
+          </a:p>
+        </p:txBody>
+      </p:sp>
+      <p:sp>
+        <p:nvSpPr>
+          <p:cNvPr id="3" name="Блок-схема: типовой процесс 2"/>
+          <p:cNvSpPr/>
+          <p:nvPr/>
+        </p:nvSpPr>
+        <p:spPr>
+          <a:xfrm>
+            <a:off x="1440556" y="4384966"/>
+            <a:ext cx="2424862" cy="525554"/>
+          </a:xfrm>
+          <a:prstGeom prst="flowChartPredefinedProcess">
+            <a:avLst/>
+          </a:prstGeom>
+        </p:spPr>
+        <p:style>
+          <a:lnRef idx="2">
+            <a:schemeClr val="accent1">
+              <a:shade val="50000"/>
+            </a:schemeClr>
+          </a:lnRef>
+          <a:fillRef idx="1">
+            <a:schemeClr val="accent1"/>
+          </a:fillRef>
+          <a:effectRef idx="0">
+            <a:schemeClr val="accent1"/>
+          </a:effectRef>
+          <a:fontRef idx="minor">
+            <a:schemeClr val="lt1"/>
+          </a:fontRef>
+        </p:style>
+        <p:txBody>
+          <a:bodyPr rtlCol="0" anchor="ctr"/>
+          <a:lstStyle/>
+          <a:p>
+            <a:pPr algn="ctr"/>
+            <a:r>
+              <a:rPr lang="en-US" dirty="0" smtClean="0"/>
+              <a:t>VLC</a:t>
+            </a:r>
+            <a:endParaRPr lang="ru-RU" dirty="0"/>
+          </a:p>
+        </p:txBody>
+      </p:sp>
+      <p:sp>
+        <p:nvSpPr>
+          <p:cNvPr id="4" name="Блок-схема: типовой процесс 3"/>
+          <p:cNvSpPr/>
+          <p:nvPr/>
+        </p:nvSpPr>
+        <p:spPr>
+          <a:xfrm>
+            <a:off x="4024707" y="4362330"/>
+            <a:ext cx="2492470" cy="525554"/>
+          </a:xfrm>
+          <a:prstGeom prst="flowChartPredefinedProcess">
+            <a:avLst/>
+          </a:prstGeom>
+        </p:spPr>
+        <p:style>
+          <a:lnRef idx="2">
+            <a:schemeClr val="accent1">
+              <a:shade val="50000"/>
+            </a:schemeClr>
+          </a:lnRef>
+          <a:fillRef idx="1">
+            <a:schemeClr val="accent1"/>
+          </a:fillRef>
+          <a:effectRef idx="0">
+            <a:schemeClr val="accent1"/>
+          </a:effectRef>
+          <a:fontRef idx="minor">
+            <a:schemeClr val="lt1"/>
+          </a:fontRef>
+        </p:style>
+        <p:txBody>
+          <a:bodyPr rtlCol="0" anchor="ctr"/>
+          <a:lstStyle/>
+          <a:p>
+            <a:pPr algn="ctr"/>
+            <a:r>
+              <a:rPr lang="en-US" dirty="0" smtClean="0"/>
+              <a:t>MOTION</a:t>
+            </a:r>
+            <a:endParaRPr lang="ru-RU" dirty="0"/>
+          </a:p>
+        </p:txBody>
+      </p:sp>
+      <p:pic>
+        <p:nvPicPr>
+          <p:cNvPr id="20" name="Рисунок 19"/>
+          <p:cNvPicPr>
+            <a:picLocks noChangeAspect="1"/>
+          </p:cNvPicPr>
+          <p:nvPr/>
+        </p:nvPicPr>
+        <p:blipFill>
+          <a:blip r:embed="rId5" cstate="print">
+            <a:extLst>
+              <a:ext uri="{28A0092B-C50C-407E-A947-70E740481C1C}">
+                <a14:useLocalDpi xmlns:a14="http://schemas.microsoft.com/office/drawing/2010/main" val="0"/>
+              </a:ext>
+            </a:extLst>
+          </a:blip>
+          <a:stretch>
+            <a:fillRect/>
+          </a:stretch>
+        </p:blipFill>
+        <p:spPr>
+          <a:xfrm>
+            <a:off x="5573466" y="5211053"/>
+            <a:ext cx="725262" cy="725262"/>
+          </a:xfrm>
+          <a:prstGeom prst="rect">
+            <a:avLst/>
+          </a:prstGeom>
+        </p:spPr>
+      </p:pic>
     </p:spTree>
     <p:extLst>
       <p:ext uri="{BB962C8B-B14F-4D97-AF65-F5344CB8AC3E}">
-        <p14:creationId xmlns:p14="http://schemas.microsoft.com/office/powerpoint/2010/main" val="182802956"/>
+        <p14:creationId xmlns:p14="http://schemas.microsoft.com/office/powerpoint/2010/main" val="1735647506"/>
       </p:ext>
     </p:extLst>
   </p:cSld>
@@ -11049,11 +11475,11 @@
           <a:p>
             <a:r>
               <a:rPr lang="en-US" dirty="0"/>
-              <a:t>Optical </a:t>
-            </a:r>
-            <a:r>
-              <a:rPr lang="en-US" dirty="0" smtClean="0"/>
-              <a:t>Calculations Precision</a:t>
+              <a:t>Optical Box </a:t>
+            </a:r>
+            <a:r>
+              <a:rPr lang="en-US" dirty="0" smtClean="0"/>
+              <a:t>Math Model</a:t>
             </a:r>
             <a:endParaRPr lang="ru-RU" dirty="0"/>
           </a:p>
@@ -11061,12 +11487,12 @@
       </p:sp>
       <p:sp>
         <p:nvSpPr>
-          <p:cNvPr id="3" name="Объект 2"/>
+          <p:cNvPr id="4" name="Нижний колонтитул 3"/>
           <p:cNvSpPr>
             <a:spLocks noGrp="1"/>
           </p:cNvSpPr>
           <p:nvPr>
-            <p:ph idx="1"/>
+            <p:ph type="ftr" sz="quarter" idx="11"/>
           </p:nvPr>
         </p:nvSpPr>
         <p:spPr/>
@@ -11075,89 +11501,896 @@
           <a:lstStyle/>
           <a:p>
             <a:r>
-              <a:rPr lang="en-US" dirty="0" smtClean="0"/>
-              <a:t>Fact</a:t>
-            </a:r>
-          </a:p>
-          <a:p>
-            <a:pPr lvl="1"/>
-            <a:r>
-              <a:rPr lang="en-US" dirty="0" smtClean="0"/>
-              <a:t>Calculation with using optics </a:t>
-            </a:r>
-            <a:r>
-              <a:rPr lang="en-US" dirty="0"/>
-              <a:t>calculations </a:t>
-            </a:r>
-            <a:r>
-              <a:rPr lang="en-US" dirty="0" smtClean="0"/>
-              <a:t>gives rough results</a:t>
-            </a:r>
-          </a:p>
-          <a:p>
-            <a:r>
-              <a:rPr lang="en-US" dirty="0" smtClean="0"/>
-              <a:t>Solution Ways</a:t>
-            </a:r>
-          </a:p>
-          <a:p>
-            <a:pPr lvl="1"/>
-            <a:r>
-              <a:rPr lang="en-US" dirty="0" smtClean="0"/>
-              <a:t>Same algorithms like sorting, brute force, branch-and-bounds and etc. do not need precision for all </a:t>
-            </a:r>
-            <a:r>
-              <a:rPr lang="en-US" dirty="0"/>
-              <a:t>results </a:t>
-            </a:r>
-            <a:r>
-              <a:rPr lang="en-US" dirty="0" smtClean="0"/>
-              <a:t>but selected only. Selected </a:t>
-            </a:r>
-            <a:r>
-              <a:rPr lang="en-US" dirty="0"/>
-              <a:t>results </a:t>
-            </a:r>
-            <a:r>
-              <a:rPr lang="en-US" dirty="0" smtClean="0"/>
-              <a:t>can by calculated traditional way.</a:t>
-            </a:r>
-          </a:p>
-          <a:p>
-            <a:pPr lvl="1"/>
-            <a:r>
-              <a:rPr lang="en-US" dirty="0" smtClean="0"/>
-              <a:t>There are many step-by-step math iteration algorithms exists to up </a:t>
-            </a:r>
-            <a:r>
-              <a:rPr lang="en-US" dirty="0"/>
-              <a:t>precision </a:t>
-            </a:r>
-            <a:r>
-              <a:rPr lang="en-US" dirty="0" smtClean="0"/>
-              <a:t>as needed</a:t>
-            </a:r>
-          </a:p>
-          <a:p>
-            <a:r>
-              <a:rPr lang="en-US" dirty="0" smtClean="0"/>
-              <a:t>Conclusion</a:t>
-            </a:r>
-          </a:p>
-          <a:p>
-            <a:pPr lvl="1"/>
-            <a:r>
-              <a:rPr lang="en-US" sz="1800" dirty="0" smtClean="0"/>
-              <a:t>Rough results can by used effectively </a:t>
-            </a:r>
-            <a:endParaRPr lang="ru-RU" sz="1800" dirty="0"/>
-          </a:p>
-        </p:txBody>
-      </p:sp>
+              <a:rPr lang="en-US" smtClean="0"/>
+              <a:t>DMITRY@PROTOPOPOV.RU</a:t>
+            </a:r>
+            <a:endParaRPr lang="ru-RU"/>
+          </a:p>
+        </p:txBody>
+      </p:sp>
+      <p:sp>
+        <p:nvSpPr>
+          <p:cNvPr id="5" name="Номер слайда 4"/>
+          <p:cNvSpPr>
+            <a:spLocks noGrp="1"/>
+          </p:cNvSpPr>
+          <p:nvPr>
+            <p:ph type="sldNum" sz="quarter" idx="12"/>
+          </p:nvPr>
+        </p:nvSpPr>
+        <p:spPr/>
+        <p:txBody>
+          <a:bodyPr/>
+          <a:lstStyle/>
+          <a:p>
+            <a:fld id="{C0AF4200-06F9-4C00-BF67-F73768F696CA}" type="slidenum">
+              <a:rPr lang="ru-RU" smtClean="0"/>
+              <a:t>23</a:t>
+            </a:fld>
+            <a:endParaRPr lang="ru-RU"/>
+          </a:p>
+        </p:txBody>
+      </p:sp>
+      <p:sp>
+        <p:nvSpPr>
+          <p:cNvPr id="6" name="Прямоугольник 5"/>
+          <p:cNvSpPr/>
+          <p:nvPr/>
+        </p:nvSpPr>
+        <p:spPr>
+          <a:xfrm>
+            <a:off x="4879571" y="2156230"/>
+            <a:ext cx="1620981" cy="2461923"/>
+          </a:xfrm>
+          <a:prstGeom prst="rect">
+            <a:avLst/>
+          </a:prstGeom>
+        </p:spPr>
+        <p:style>
+          <a:lnRef idx="2">
+            <a:schemeClr val="accent1">
+              <a:shade val="50000"/>
+            </a:schemeClr>
+          </a:lnRef>
+          <a:fillRef idx="1">
+            <a:schemeClr val="accent1"/>
+          </a:fillRef>
+          <a:effectRef idx="0">
+            <a:schemeClr val="accent1"/>
+          </a:effectRef>
+          <a:fontRef idx="minor">
+            <a:schemeClr val="lt1"/>
+          </a:fontRef>
+        </p:style>
+        <p:txBody>
+          <a:bodyPr rtlCol="0" anchor="ctr"/>
+          <a:lstStyle/>
+          <a:p>
+            <a:pPr algn="ctr"/>
+            <a:endParaRPr lang="ru-RU"/>
+          </a:p>
+        </p:txBody>
+      </p:sp>
+      <p:cxnSp>
+        <p:nvCxnSpPr>
+          <p:cNvPr id="22" name="Соединительная линия уступом 21"/>
+          <p:cNvCxnSpPr/>
+          <p:nvPr/>
+        </p:nvCxnSpPr>
+        <p:spPr>
+          <a:xfrm flipV="1">
+            <a:off x="6517178" y="3395891"/>
+            <a:ext cx="2655686" cy="2046782"/>
+          </a:xfrm>
+          <a:prstGeom prst="bentConnector3">
+            <a:avLst>
+              <a:gd name="adj1" fmla="val 130132"/>
+            </a:avLst>
+          </a:prstGeom>
+          <a:ln>
+            <a:tailEnd type="triangle"/>
+          </a:ln>
+        </p:spPr>
+        <p:style>
+          <a:lnRef idx="1">
+            <a:schemeClr val="accent1"/>
+          </a:lnRef>
+          <a:fillRef idx="0">
+            <a:schemeClr val="accent1"/>
+          </a:fillRef>
+          <a:effectRef idx="0">
+            <a:schemeClr val="accent1"/>
+          </a:effectRef>
+          <a:fontRef idx="minor">
+            <a:schemeClr val="tx1"/>
+          </a:fontRef>
+        </p:style>
+      </p:cxnSp>
+      <p:cxnSp>
+        <p:nvCxnSpPr>
+          <p:cNvPr id="25" name="Соединительная линия уступом 24"/>
+          <p:cNvCxnSpPr/>
+          <p:nvPr/>
+        </p:nvCxnSpPr>
+        <p:spPr>
+          <a:xfrm rot="16200000" flipH="1">
+            <a:off x="3743221" y="4306322"/>
+            <a:ext cx="1948503" cy="324197"/>
+          </a:xfrm>
+          <a:prstGeom prst="bentConnector3">
+            <a:avLst>
+              <a:gd name="adj1" fmla="val 100341"/>
+            </a:avLst>
+          </a:prstGeom>
+          <a:ln>
+            <a:tailEnd type="triangle"/>
+          </a:ln>
+        </p:spPr>
+        <p:style>
+          <a:lnRef idx="1">
+            <a:schemeClr val="accent1"/>
+          </a:lnRef>
+          <a:fillRef idx="0">
+            <a:schemeClr val="accent1"/>
+          </a:fillRef>
+          <a:effectRef idx="0">
+            <a:schemeClr val="accent1"/>
+          </a:effectRef>
+          <a:fontRef idx="minor">
+            <a:schemeClr val="tx1"/>
+          </a:fontRef>
+        </p:style>
+      </p:cxnSp>
+      <p:cxnSp>
+        <p:nvCxnSpPr>
+          <p:cNvPr id="30" name="Прямая со стрелкой 29"/>
+          <p:cNvCxnSpPr/>
+          <p:nvPr/>
+        </p:nvCxnSpPr>
+        <p:spPr>
+          <a:xfrm flipH="1">
+            <a:off x="4217323" y="3494170"/>
+            <a:ext cx="678873" cy="0"/>
+          </a:xfrm>
+          <a:prstGeom prst="straightConnector1">
+            <a:avLst/>
+          </a:prstGeom>
+          <a:ln>
+            <a:tailEnd type="triangle"/>
+          </a:ln>
+        </p:spPr>
+        <p:style>
+          <a:lnRef idx="1">
+            <a:schemeClr val="accent1"/>
+          </a:lnRef>
+          <a:fillRef idx="0">
+            <a:schemeClr val="accent1"/>
+          </a:fillRef>
+          <a:effectRef idx="0">
+            <a:schemeClr val="accent1"/>
+          </a:effectRef>
+          <a:fontRef idx="minor">
+            <a:schemeClr val="tx1"/>
+          </a:fontRef>
+        </p:style>
+      </p:cxnSp>
+      <p:cxnSp>
+        <p:nvCxnSpPr>
+          <p:cNvPr id="36" name="Прямая со стрелкой 35"/>
+          <p:cNvCxnSpPr/>
+          <p:nvPr/>
+        </p:nvCxnSpPr>
+        <p:spPr>
+          <a:xfrm flipH="1">
+            <a:off x="6517178" y="3494169"/>
+            <a:ext cx="556953" cy="0"/>
+          </a:xfrm>
+          <a:prstGeom prst="straightConnector1">
+            <a:avLst/>
+          </a:prstGeom>
+          <a:ln>
+            <a:tailEnd type="triangle"/>
+          </a:ln>
+        </p:spPr>
+        <p:style>
+          <a:lnRef idx="1">
+            <a:schemeClr val="accent1"/>
+          </a:lnRef>
+          <a:fillRef idx="0">
+            <a:schemeClr val="accent1"/>
+          </a:fillRef>
+          <a:effectRef idx="0">
+            <a:schemeClr val="accent1"/>
+          </a:effectRef>
+          <a:fontRef idx="minor">
+            <a:schemeClr val="tx1"/>
+          </a:fontRef>
+        </p:style>
+      </p:cxnSp>
+      <p:pic>
+        <p:nvPicPr>
+          <p:cNvPr id="37" name="Рисунок 36"/>
+          <p:cNvPicPr>
+            <a:picLocks noChangeAspect="1"/>
+          </p:cNvPicPr>
+          <p:nvPr/>
+        </p:nvPicPr>
+        <p:blipFill>
+          <a:blip r:embed="rId2" cstate="print">
+            <a:extLst>
+              <a:ext uri="{28A0092B-C50C-407E-A947-70E740481C1C}">
+                <a14:useLocalDpi xmlns:a14="http://schemas.microsoft.com/office/drawing/2010/main" val="0"/>
+              </a:ext>
+            </a:extLst>
+          </a:blip>
+          <a:stretch>
+            <a:fillRect/>
+          </a:stretch>
+        </p:blipFill>
+        <p:spPr>
+          <a:xfrm>
+            <a:off x="5544977" y="2267414"/>
+            <a:ext cx="333839" cy="306536"/>
+          </a:xfrm>
+          <a:prstGeom prst="rect">
+            <a:avLst/>
+          </a:prstGeom>
+        </p:spPr>
+      </p:pic>
+      <p:pic>
+        <p:nvPicPr>
+          <p:cNvPr id="38" name="Рисунок 37"/>
+          <p:cNvPicPr>
+            <a:picLocks noChangeAspect="1"/>
+          </p:cNvPicPr>
+          <p:nvPr/>
+        </p:nvPicPr>
+        <p:blipFill>
+          <a:blip r:embed="rId3" cstate="print">
+            <a:extLst>
+              <a:ext uri="{28A0092B-C50C-407E-A947-70E740481C1C}">
+                <a14:useLocalDpi xmlns:a14="http://schemas.microsoft.com/office/drawing/2010/main" val="0"/>
+              </a:ext>
+            </a:extLst>
+          </a:blip>
+          <a:stretch>
+            <a:fillRect/>
+          </a:stretch>
+        </p:blipFill>
+        <p:spPr>
+          <a:xfrm>
+            <a:off x="5443015" y="2649848"/>
+            <a:ext cx="537761" cy="295716"/>
+          </a:xfrm>
+          <a:prstGeom prst="rect">
+            <a:avLst/>
+          </a:prstGeom>
+        </p:spPr>
+      </p:pic>
+      <p:pic>
+        <p:nvPicPr>
+          <p:cNvPr id="39" name="Рисунок 38"/>
+          <p:cNvPicPr>
+            <a:picLocks noChangeAspect="1"/>
+          </p:cNvPicPr>
+          <p:nvPr/>
+        </p:nvPicPr>
+        <p:blipFill>
+          <a:blip r:embed="rId3" cstate="print">
+            <a:extLst>
+              <a:ext uri="{28A0092B-C50C-407E-A947-70E740481C1C}">
+                <a14:useLocalDpi xmlns:a14="http://schemas.microsoft.com/office/drawing/2010/main" val="0"/>
+              </a:ext>
+            </a:extLst>
+          </a:blip>
+          <a:stretch>
+            <a:fillRect/>
+          </a:stretch>
+        </p:blipFill>
+        <p:spPr>
+          <a:xfrm>
+            <a:off x="5443014" y="2987659"/>
+            <a:ext cx="537761" cy="295716"/>
+          </a:xfrm>
+          <a:prstGeom prst="rect">
+            <a:avLst/>
+          </a:prstGeom>
+        </p:spPr>
+      </p:pic>
+      <p:pic>
+        <p:nvPicPr>
+          <p:cNvPr id="40" name="Рисунок 39"/>
+          <p:cNvPicPr>
+            <a:picLocks noChangeAspect="1"/>
+          </p:cNvPicPr>
+          <p:nvPr/>
+        </p:nvPicPr>
+        <p:blipFill>
+          <a:blip r:embed="rId3" cstate="print">
+            <a:extLst>
+              <a:ext uri="{28A0092B-C50C-407E-A947-70E740481C1C}">
+                <a14:useLocalDpi xmlns:a14="http://schemas.microsoft.com/office/drawing/2010/main" val="0"/>
+              </a:ext>
+            </a:extLst>
+          </a:blip>
+          <a:stretch>
+            <a:fillRect/>
+          </a:stretch>
+        </p:blipFill>
+        <p:spPr>
+          <a:xfrm>
+            <a:off x="5432494" y="3340056"/>
+            <a:ext cx="537761" cy="295716"/>
+          </a:xfrm>
+          <a:prstGeom prst="rect">
+            <a:avLst/>
+          </a:prstGeom>
+        </p:spPr>
+      </p:pic>
+      <p:pic>
+        <p:nvPicPr>
+          <p:cNvPr id="41" name="Рисунок 40"/>
+          <p:cNvPicPr>
+            <a:picLocks noChangeAspect="1"/>
+          </p:cNvPicPr>
+          <p:nvPr/>
+        </p:nvPicPr>
+        <p:blipFill>
+          <a:blip r:embed="rId3" cstate="print">
+            <a:extLst>
+              <a:ext uri="{28A0092B-C50C-407E-A947-70E740481C1C}">
+                <a14:useLocalDpi xmlns:a14="http://schemas.microsoft.com/office/drawing/2010/main" val="0"/>
+              </a:ext>
+            </a:extLst>
+          </a:blip>
+          <a:stretch>
+            <a:fillRect/>
+          </a:stretch>
+        </p:blipFill>
+        <p:spPr>
+          <a:xfrm>
+            <a:off x="5432391" y="3670675"/>
+            <a:ext cx="537761" cy="295716"/>
+          </a:xfrm>
+          <a:prstGeom prst="rect">
+            <a:avLst/>
+          </a:prstGeom>
+        </p:spPr>
+      </p:pic>
+      <p:pic>
+        <p:nvPicPr>
+          <p:cNvPr id="44" name="Рисунок 43"/>
+          <p:cNvPicPr>
+            <a:picLocks noChangeAspect="1"/>
+          </p:cNvPicPr>
+          <p:nvPr/>
+        </p:nvPicPr>
+        <p:blipFill>
+          <a:blip r:embed="rId4">
+            <a:extLst>
+              <a:ext uri="{28A0092B-C50C-407E-A947-70E740481C1C}">
+                <a14:useLocalDpi xmlns:a14="http://schemas.microsoft.com/office/drawing/2010/main" val="0"/>
+              </a:ext>
+            </a:extLst>
+          </a:blip>
+          <a:stretch>
+            <a:fillRect/>
+          </a:stretch>
+        </p:blipFill>
+        <p:spPr>
+          <a:xfrm>
+            <a:off x="5053307" y="4729337"/>
+            <a:ext cx="1312025" cy="1312025"/>
+          </a:xfrm>
+          <a:prstGeom prst="rect">
+            <a:avLst/>
+          </a:prstGeom>
+        </p:spPr>
+      </p:pic>
+      <p:pic>
+        <p:nvPicPr>
+          <p:cNvPr id="45" name="Рисунок 44"/>
+          <p:cNvPicPr>
+            <a:picLocks noChangeAspect="1"/>
+          </p:cNvPicPr>
+          <p:nvPr/>
+        </p:nvPicPr>
+        <p:blipFill>
+          <a:blip r:embed="rId5" cstate="print">
+            <a:extLst>
+              <a:ext uri="{28A0092B-C50C-407E-A947-70E740481C1C}">
+                <a14:useLocalDpi xmlns:a14="http://schemas.microsoft.com/office/drawing/2010/main" val="0"/>
+              </a:ext>
+            </a:extLst>
+          </a:blip>
+          <a:stretch>
+            <a:fillRect/>
+          </a:stretch>
+        </p:blipFill>
+        <p:spPr>
+          <a:xfrm>
+            <a:off x="6824749" y="2368413"/>
+            <a:ext cx="1798496" cy="649945"/>
+          </a:xfrm>
+          <a:prstGeom prst="rect">
+            <a:avLst/>
+          </a:prstGeom>
+        </p:spPr>
+      </p:pic>
+      <p:pic>
+        <p:nvPicPr>
+          <p:cNvPr id="46" name="Рисунок 45"/>
+          <p:cNvPicPr>
+            <a:picLocks noChangeAspect="1"/>
+          </p:cNvPicPr>
+          <p:nvPr/>
+        </p:nvPicPr>
+        <p:blipFill>
+          <a:blip r:embed="rId5" cstate="print">
+            <a:extLst>
+              <a:ext uri="{28A0092B-C50C-407E-A947-70E740481C1C}">
+                <a14:useLocalDpi xmlns:a14="http://schemas.microsoft.com/office/drawing/2010/main" val="0"/>
+              </a:ext>
+            </a:extLst>
+          </a:blip>
+          <a:stretch>
+            <a:fillRect/>
+          </a:stretch>
+        </p:blipFill>
+        <p:spPr>
+          <a:xfrm>
+            <a:off x="6952201" y="2662686"/>
+            <a:ext cx="1798496" cy="649945"/>
+          </a:xfrm>
+          <a:prstGeom prst="rect">
+            <a:avLst/>
+          </a:prstGeom>
+        </p:spPr>
+      </p:pic>
+      <p:pic>
+        <p:nvPicPr>
+          <p:cNvPr id="47" name="Рисунок 46"/>
+          <p:cNvPicPr>
+            <a:picLocks noChangeAspect="1"/>
+          </p:cNvPicPr>
+          <p:nvPr/>
+        </p:nvPicPr>
+        <p:blipFill>
+          <a:blip r:embed="rId5" cstate="print">
+            <a:extLst>
+              <a:ext uri="{28A0092B-C50C-407E-A947-70E740481C1C}">
+                <a14:useLocalDpi xmlns:a14="http://schemas.microsoft.com/office/drawing/2010/main" val="0"/>
+              </a:ext>
+            </a:extLst>
+          </a:blip>
+          <a:stretch>
+            <a:fillRect/>
+          </a:stretch>
+        </p:blipFill>
+        <p:spPr>
+          <a:xfrm>
+            <a:off x="7151716" y="2955349"/>
+            <a:ext cx="1798496" cy="649945"/>
+          </a:xfrm>
+          <a:prstGeom prst="rect">
+            <a:avLst/>
+          </a:prstGeom>
+        </p:spPr>
+      </p:pic>
+      <p:pic>
+        <p:nvPicPr>
+          <p:cNvPr id="48" name="Рисунок 47"/>
+          <p:cNvPicPr>
+            <a:picLocks noChangeAspect="1"/>
+          </p:cNvPicPr>
+          <p:nvPr/>
+        </p:nvPicPr>
+        <p:blipFill>
+          <a:blip r:embed="rId5" cstate="print">
+            <a:extLst>
+              <a:ext uri="{28A0092B-C50C-407E-A947-70E740481C1C}">
+                <a14:useLocalDpi xmlns:a14="http://schemas.microsoft.com/office/drawing/2010/main" val="0"/>
+              </a:ext>
+            </a:extLst>
+          </a:blip>
+          <a:stretch>
+            <a:fillRect/>
+          </a:stretch>
+        </p:blipFill>
+        <p:spPr>
+          <a:xfrm>
+            <a:off x="7335183" y="3234345"/>
+            <a:ext cx="1798496" cy="649945"/>
+          </a:xfrm>
+          <a:prstGeom prst="rect">
+            <a:avLst/>
+          </a:prstGeom>
+        </p:spPr>
+      </p:pic>
+      <p:pic>
+        <p:nvPicPr>
+          <p:cNvPr id="49" name="Рисунок 48"/>
+          <p:cNvPicPr>
+            <a:picLocks noChangeAspect="1"/>
+          </p:cNvPicPr>
+          <p:nvPr/>
+        </p:nvPicPr>
+        <p:blipFill>
+          <a:blip r:embed="rId5" cstate="print">
+            <a:extLst>
+              <a:ext uri="{28A0092B-C50C-407E-A947-70E740481C1C}">
+                <a14:useLocalDpi xmlns:a14="http://schemas.microsoft.com/office/drawing/2010/main" val="0"/>
+              </a:ext>
+            </a:extLst>
+          </a:blip>
+          <a:stretch>
+            <a:fillRect/>
+          </a:stretch>
+        </p:blipFill>
+        <p:spPr>
+          <a:xfrm>
+            <a:off x="7518650" y="3496910"/>
+            <a:ext cx="1798496" cy="649945"/>
+          </a:xfrm>
+          <a:prstGeom prst="rect">
+            <a:avLst/>
+          </a:prstGeom>
+        </p:spPr>
+      </p:pic>
+      <p:pic>
+        <p:nvPicPr>
+          <p:cNvPr id="50" name="Рисунок 49"/>
+          <p:cNvPicPr>
+            <a:picLocks noChangeAspect="1"/>
+          </p:cNvPicPr>
+          <p:nvPr/>
+        </p:nvPicPr>
+        <p:blipFill>
+          <a:blip r:embed="rId5" cstate="print">
+            <a:extLst>
+              <a:ext uri="{28A0092B-C50C-407E-A947-70E740481C1C}">
+                <a14:useLocalDpi xmlns:a14="http://schemas.microsoft.com/office/drawing/2010/main" val="0"/>
+              </a:ext>
+            </a:extLst>
+          </a:blip>
+          <a:stretch>
+            <a:fillRect/>
+          </a:stretch>
+        </p:blipFill>
+        <p:spPr>
+          <a:xfrm>
+            <a:off x="7702117" y="3809044"/>
+            <a:ext cx="1798496" cy="649945"/>
+          </a:xfrm>
+          <a:prstGeom prst="rect">
+            <a:avLst/>
+          </a:prstGeom>
+        </p:spPr>
+      </p:pic>
+      <p:pic>
+        <p:nvPicPr>
+          <p:cNvPr id="51" name="Рисунок 50"/>
+          <p:cNvPicPr>
+            <a:picLocks noChangeAspect="1"/>
+          </p:cNvPicPr>
+          <p:nvPr/>
+        </p:nvPicPr>
+        <p:blipFill>
+          <a:blip r:embed="rId5" cstate="print">
+            <a:extLst>
+              <a:ext uri="{28A0092B-C50C-407E-A947-70E740481C1C}">
+                <a14:useLocalDpi xmlns:a14="http://schemas.microsoft.com/office/drawing/2010/main" val="0"/>
+              </a:ext>
+            </a:extLst>
+          </a:blip>
+          <a:stretch>
+            <a:fillRect/>
+          </a:stretch>
+        </p:blipFill>
+        <p:spPr>
+          <a:xfrm>
+            <a:off x="1541459" y="2284596"/>
+            <a:ext cx="1798496" cy="649945"/>
+          </a:xfrm>
+          <a:prstGeom prst="rect">
+            <a:avLst/>
+          </a:prstGeom>
+        </p:spPr>
+      </p:pic>
+      <p:pic>
+        <p:nvPicPr>
+          <p:cNvPr id="52" name="Рисунок 51"/>
+          <p:cNvPicPr>
+            <a:picLocks noChangeAspect="1"/>
+          </p:cNvPicPr>
+          <p:nvPr/>
+        </p:nvPicPr>
+        <p:blipFill>
+          <a:blip r:embed="rId5" cstate="print">
+            <a:extLst>
+              <a:ext uri="{28A0092B-C50C-407E-A947-70E740481C1C}">
+                <a14:useLocalDpi xmlns:a14="http://schemas.microsoft.com/office/drawing/2010/main" val="0"/>
+              </a:ext>
+            </a:extLst>
+          </a:blip>
+          <a:stretch>
+            <a:fillRect/>
+          </a:stretch>
+        </p:blipFill>
+        <p:spPr>
+          <a:xfrm>
+            <a:off x="1668911" y="2578869"/>
+            <a:ext cx="1798496" cy="649945"/>
+          </a:xfrm>
+          <a:prstGeom prst="rect">
+            <a:avLst/>
+          </a:prstGeom>
+        </p:spPr>
+      </p:pic>
+      <p:pic>
+        <p:nvPicPr>
+          <p:cNvPr id="53" name="Рисунок 52"/>
+          <p:cNvPicPr>
+            <a:picLocks noChangeAspect="1"/>
+          </p:cNvPicPr>
+          <p:nvPr/>
+        </p:nvPicPr>
+        <p:blipFill>
+          <a:blip r:embed="rId5" cstate="print">
+            <a:extLst>
+              <a:ext uri="{28A0092B-C50C-407E-A947-70E740481C1C}">
+                <a14:useLocalDpi xmlns:a14="http://schemas.microsoft.com/office/drawing/2010/main" val="0"/>
+              </a:ext>
+            </a:extLst>
+          </a:blip>
+          <a:stretch>
+            <a:fillRect/>
+          </a:stretch>
+        </p:blipFill>
+        <p:spPr>
+          <a:xfrm>
+            <a:off x="1868426" y="2871532"/>
+            <a:ext cx="1798496" cy="649945"/>
+          </a:xfrm>
+          <a:prstGeom prst="rect">
+            <a:avLst/>
+          </a:prstGeom>
+        </p:spPr>
+      </p:pic>
+      <p:pic>
+        <p:nvPicPr>
+          <p:cNvPr id="54" name="Рисунок 53"/>
+          <p:cNvPicPr>
+            <a:picLocks noChangeAspect="1"/>
+          </p:cNvPicPr>
+          <p:nvPr/>
+        </p:nvPicPr>
+        <p:blipFill>
+          <a:blip r:embed="rId5" cstate="print">
+            <a:extLst>
+              <a:ext uri="{28A0092B-C50C-407E-A947-70E740481C1C}">
+                <a14:useLocalDpi xmlns:a14="http://schemas.microsoft.com/office/drawing/2010/main" val="0"/>
+              </a:ext>
+            </a:extLst>
+          </a:blip>
+          <a:stretch>
+            <a:fillRect/>
+          </a:stretch>
+        </p:blipFill>
+        <p:spPr>
+          <a:xfrm>
+            <a:off x="2051893" y="3150528"/>
+            <a:ext cx="1798496" cy="649945"/>
+          </a:xfrm>
+          <a:prstGeom prst="rect">
+            <a:avLst/>
+          </a:prstGeom>
+        </p:spPr>
+      </p:pic>
+      <p:pic>
+        <p:nvPicPr>
+          <p:cNvPr id="55" name="Рисунок 54"/>
+          <p:cNvPicPr>
+            <a:picLocks noChangeAspect="1"/>
+          </p:cNvPicPr>
+          <p:nvPr/>
+        </p:nvPicPr>
+        <p:blipFill>
+          <a:blip r:embed="rId5" cstate="print">
+            <a:extLst>
+              <a:ext uri="{28A0092B-C50C-407E-A947-70E740481C1C}">
+                <a14:useLocalDpi xmlns:a14="http://schemas.microsoft.com/office/drawing/2010/main" val="0"/>
+              </a:ext>
+            </a:extLst>
+          </a:blip>
+          <a:stretch>
+            <a:fillRect/>
+          </a:stretch>
+        </p:blipFill>
+        <p:spPr>
+          <a:xfrm>
+            <a:off x="2235360" y="3413093"/>
+            <a:ext cx="1798496" cy="649945"/>
+          </a:xfrm>
+          <a:prstGeom prst="rect">
+            <a:avLst/>
+          </a:prstGeom>
+        </p:spPr>
+      </p:pic>
+      <p:pic>
+        <p:nvPicPr>
+          <p:cNvPr id="56" name="Рисунок 55"/>
+          <p:cNvPicPr>
+            <a:picLocks noChangeAspect="1"/>
+          </p:cNvPicPr>
+          <p:nvPr/>
+        </p:nvPicPr>
+        <p:blipFill>
+          <a:blip r:embed="rId5" cstate="print">
+            <a:extLst>
+              <a:ext uri="{28A0092B-C50C-407E-A947-70E740481C1C}">
+                <a14:useLocalDpi xmlns:a14="http://schemas.microsoft.com/office/drawing/2010/main" val="0"/>
+              </a:ext>
+            </a:extLst>
+          </a:blip>
+          <a:stretch>
+            <a:fillRect/>
+          </a:stretch>
+        </p:blipFill>
+        <p:spPr>
+          <a:xfrm>
+            <a:off x="2418827" y="3725227"/>
+            <a:ext cx="1798496" cy="649945"/>
+          </a:xfrm>
+          <a:prstGeom prst="rect">
+            <a:avLst/>
+          </a:prstGeom>
+        </p:spPr>
+      </p:pic>
+      <p:sp>
+        <p:nvSpPr>
+          <p:cNvPr id="57" name="Стрелка вниз 56"/>
+          <p:cNvSpPr/>
+          <p:nvPr/>
+        </p:nvSpPr>
+        <p:spPr>
+          <a:xfrm>
+            <a:off x="6752696" y="1321325"/>
+            <a:ext cx="2673937" cy="773084"/>
+          </a:xfrm>
+          <a:prstGeom prst="downArrow">
+            <a:avLst/>
+          </a:prstGeom>
+        </p:spPr>
+        <p:style>
+          <a:lnRef idx="2">
+            <a:schemeClr val="accent1">
+              <a:shade val="50000"/>
+            </a:schemeClr>
+          </a:lnRef>
+          <a:fillRef idx="1">
+            <a:schemeClr val="accent1"/>
+          </a:fillRef>
+          <a:effectRef idx="0">
+            <a:schemeClr val="accent1"/>
+          </a:effectRef>
+          <a:fontRef idx="minor">
+            <a:schemeClr val="lt1"/>
+          </a:fontRef>
+        </p:style>
+        <p:txBody>
+          <a:bodyPr rtlCol="0" anchor="ctr"/>
+          <a:lstStyle/>
+          <a:p>
+            <a:pPr algn="ctr"/>
+            <a:endParaRPr lang="ru-RU"/>
+          </a:p>
+        </p:txBody>
+      </p:sp>
+      <p:sp>
+        <p:nvSpPr>
+          <p:cNvPr id="58" name="Стрелка вниз 57"/>
+          <p:cNvSpPr/>
+          <p:nvPr/>
+        </p:nvSpPr>
+        <p:spPr>
+          <a:xfrm>
+            <a:off x="1430705" y="4895004"/>
+            <a:ext cx="2673937" cy="773084"/>
+          </a:xfrm>
+          <a:prstGeom prst="downArrow">
+            <a:avLst/>
+          </a:prstGeom>
+        </p:spPr>
+        <p:style>
+          <a:lnRef idx="2">
+            <a:schemeClr val="accent1">
+              <a:shade val="50000"/>
+            </a:schemeClr>
+          </a:lnRef>
+          <a:fillRef idx="1">
+            <a:schemeClr val="accent1"/>
+          </a:fillRef>
+          <a:effectRef idx="0">
+            <a:schemeClr val="accent1"/>
+          </a:effectRef>
+          <a:fontRef idx="minor">
+            <a:schemeClr val="lt1"/>
+          </a:fontRef>
+        </p:style>
+        <p:txBody>
+          <a:bodyPr rtlCol="0" anchor="ctr"/>
+          <a:lstStyle/>
+          <a:p>
+            <a:pPr algn="ctr"/>
+            <a:endParaRPr lang="ru-RU"/>
+          </a:p>
+        </p:txBody>
+      </p:sp>
+      <p:pic>
+        <p:nvPicPr>
+          <p:cNvPr id="3" name="Рисунок 2"/>
+          <p:cNvPicPr>
+            <a:picLocks noChangeAspect="1"/>
+          </p:cNvPicPr>
+          <p:nvPr/>
+        </p:nvPicPr>
+        <p:blipFill>
+          <a:blip r:embed="rId6" cstate="print">
+            <a:extLst>
+              <a:ext uri="{28A0092B-C50C-407E-A947-70E740481C1C}">
+                <a14:useLocalDpi xmlns:a14="http://schemas.microsoft.com/office/drawing/2010/main" val="0"/>
+              </a:ext>
+            </a:extLst>
+          </a:blip>
+          <a:stretch>
+            <a:fillRect/>
+          </a:stretch>
+        </p:blipFill>
+        <p:spPr>
+          <a:xfrm>
+            <a:off x="5339101" y="3906400"/>
+            <a:ext cx="725262" cy="725262"/>
+          </a:xfrm>
+          <a:prstGeom prst="rect">
+            <a:avLst/>
+          </a:prstGeom>
+        </p:spPr>
+      </p:pic>
+      <p:pic>
+        <p:nvPicPr>
+          <p:cNvPr id="32" name="Рисунок 31"/>
+          <p:cNvPicPr>
+            <a:picLocks noChangeAspect="1"/>
+          </p:cNvPicPr>
+          <p:nvPr/>
+        </p:nvPicPr>
+        <p:blipFill>
+          <a:blip r:embed="rId7" cstate="print">
+            <a:extLst>
+              <a:ext uri="{28A0092B-C50C-407E-A947-70E740481C1C}">
+                <a14:useLocalDpi xmlns:a14="http://schemas.microsoft.com/office/drawing/2010/main" val="0"/>
+              </a:ext>
+            </a:extLst>
+          </a:blip>
+          <a:stretch>
+            <a:fillRect/>
+          </a:stretch>
+        </p:blipFill>
+        <p:spPr>
+          <a:xfrm>
+            <a:off x="4893813" y="2166312"/>
+            <a:ext cx="441997" cy="475692"/>
+          </a:xfrm>
+          <a:prstGeom prst="rect">
+            <a:avLst/>
+          </a:prstGeom>
+        </p:spPr>
+      </p:pic>
     </p:spTree>
     <p:extLst>
       <p:ext uri="{BB962C8B-B14F-4D97-AF65-F5344CB8AC3E}">
-        <p14:creationId xmlns:p14="http://schemas.microsoft.com/office/powerpoint/2010/main" val="1619521154"/>
+        <p14:creationId xmlns:p14="http://schemas.microsoft.com/office/powerpoint/2010/main" val="3342361773"/>
       </p:ext>
     </p:extLst>
   </p:cSld>
@@ -11201,7 +12434,7 @@
           <a:p>
             <a:r>
               <a:rPr lang="en-US" dirty="0" smtClean="0"/>
-              <a:t>Thank You</a:t>
+              <a:t>DLP Usage Notes</a:t>
             </a:r>
             <a:endParaRPr lang="ru-RU" dirty="0"/>
           </a:p>
@@ -11217,6 +12450,610 @@
             <p:ph idx="1"/>
           </p:nvPr>
         </p:nvSpPr>
+        <p:spPr>
+          <a:xfrm>
+            <a:off x="677334" y="1529543"/>
+            <a:ext cx="8596668" cy="4511820"/>
+          </a:xfrm>
+        </p:spPr>
+        <p:txBody>
+          <a:bodyPr>
+            <a:normAutofit/>
+          </a:bodyPr>
+          <a:lstStyle/>
+          <a:p>
+            <a:r>
+              <a:rPr lang="en-US" dirty="0" smtClean="0"/>
+              <a:t>Usual DLP chip micro-mirrors have 3-state (3 micro-mirror reflection angle)</a:t>
+            </a:r>
+          </a:p>
+          <a:p>
+            <a:pPr lvl="1"/>
+            <a:r>
+              <a:rPr lang="en-US" dirty="0" smtClean="0"/>
+              <a:t>Parked</a:t>
+            </a:r>
+          </a:p>
+          <a:p>
+            <a:pPr lvl="1"/>
+            <a:r>
+              <a:rPr lang="en-US" dirty="0" smtClean="0"/>
+              <a:t>On or Off</a:t>
+            </a:r>
+          </a:p>
+          <a:p>
+            <a:pPr marL="342900" lvl="1" indent="-342900"/>
+            <a:r>
+              <a:rPr lang="en-US" dirty="0" smtClean="0"/>
+              <a:t>Technology to generate grayed image by fast switch between On and Off states used by video projectors is not applicable by Optical Computing.</a:t>
+            </a:r>
+          </a:p>
+          <a:p>
+            <a:pPr marL="342900" lvl="1" indent="-342900"/>
+            <a:r>
+              <a:rPr lang="en-US" dirty="0" smtClean="0"/>
+              <a:t>Solution Ways in case using </a:t>
+            </a:r>
+            <a:r>
+              <a:rPr lang="en-US" dirty="0"/>
+              <a:t>DLP chip </a:t>
+            </a:r>
+            <a:r>
+              <a:rPr lang="en-US" dirty="0" smtClean="0"/>
+              <a:t>of micro-mirrors with limited states is</a:t>
+            </a:r>
+          </a:p>
+          <a:p>
+            <a:pPr marL="742950" lvl="2" indent="-342900"/>
+            <a:r>
+              <a:rPr lang="en-US" dirty="0" smtClean="0"/>
+              <a:t>Do calculations with 1-bit numbers and apply iteration math algorithms to up precision</a:t>
+            </a:r>
+          </a:p>
+          <a:p>
+            <a:pPr marL="742950" lvl="2" indent="-342900"/>
+            <a:r>
+              <a:rPr lang="en-US" dirty="0" smtClean="0"/>
+              <a:t>Use group of micro-mirrors to generate gray color</a:t>
+            </a:r>
+          </a:p>
+          <a:p>
+            <a:pPr marL="342900" lvl="1" indent="-342900"/>
+            <a:r>
+              <a:rPr lang="en-US" dirty="0" smtClean="0"/>
+              <a:t>Another way to use </a:t>
+            </a:r>
+            <a:r>
+              <a:rPr lang="en-US" dirty="0"/>
+              <a:t>micro-mirrors </a:t>
+            </a:r>
+            <a:r>
+              <a:rPr lang="en-US" dirty="0" smtClean="0"/>
+              <a:t>with 3-state in binary mode in case of slow MIS is</a:t>
+            </a:r>
+          </a:p>
+          <a:p>
+            <a:pPr marL="742950" lvl="2" indent="-342900"/>
+            <a:r>
+              <a:rPr lang="en-US" dirty="0" smtClean="0"/>
+              <a:t>Transparent = Parked state</a:t>
+            </a:r>
+          </a:p>
+          <a:p>
+            <a:pPr marL="742950" lvl="2" indent="-342900"/>
+            <a:r>
+              <a:rPr lang="en-US" dirty="0" smtClean="0"/>
+              <a:t>Opaque = </a:t>
+            </a:r>
+            <a:r>
+              <a:rPr lang="en-US" dirty="0"/>
+              <a:t>fast </a:t>
+            </a:r>
+            <a:r>
+              <a:rPr lang="en-US" dirty="0" smtClean="0"/>
+              <a:t>random switch </a:t>
+            </a:r>
+            <a:r>
+              <a:rPr lang="en-US" dirty="0"/>
+              <a:t>between </a:t>
+            </a:r>
+            <a:r>
+              <a:rPr lang="en-US" dirty="0" smtClean="0"/>
+              <a:t>On </a:t>
+            </a:r>
+            <a:r>
+              <a:rPr lang="en-US" dirty="0"/>
+              <a:t>and Off </a:t>
+            </a:r>
+            <a:r>
+              <a:rPr lang="en-US" dirty="0" smtClean="0"/>
+              <a:t>states. </a:t>
+            </a:r>
+          </a:p>
+          <a:p>
+            <a:pPr marL="1200150" lvl="3" indent="-342900"/>
+            <a:r>
+              <a:rPr lang="en-US" dirty="0" smtClean="0"/>
+              <a:t>fast </a:t>
+            </a:r>
+            <a:r>
+              <a:rPr lang="en-US" dirty="0"/>
+              <a:t>random switch between </a:t>
+            </a:r>
+            <a:r>
+              <a:rPr lang="en-US" dirty="0" smtClean="0"/>
+              <a:t>two states will generate average energy picture caused </a:t>
+            </a:r>
+            <a:r>
+              <a:rPr lang="en-US" smtClean="0"/>
+              <a:t>random diffraction pictures </a:t>
+            </a:r>
+            <a:r>
+              <a:rPr lang="en-US" dirty="0" smtClean="0"/>
+              <a:t>cached by MIS </a:t>
+            </a:r>
+            <a:endParaRPr lang="en-US" dirty="0"/>
+          </a:p>
+          <a:p>
+            <a:pPr marL="742950" lvl="2" indent="-342900"/>
+            <a:endParaRPr lang="en-US" dirty="0" smtClean="0"/>
+          </a:p>
+          <a:p>
+            <a:pPr marL="742950" lvl="2" indent="-342900"/>
+            <a:endParaRPr lang="en-US" dirty="0" smtClean="0"/>
+          </a:p>
+          <a:p>
+            <a:pPr marL="342900" lvl="1" indent="-342900"/>
+            <a:endParaRPr lang="ru-RU" dirty="0"/>
+          </a:p>
+        </p:txBody>
+      </p:sp>
+    </p:spTree>
+    <p:extLst>
+      <p:ext uri="{BB962C8B-B14F-4D97-AF65-F5344CB8AC3E}">
+        <p14:creationId xmlns:p14="http://schemas.microsoft.com/office/powerpoint/2010/main" val="1751927340"/>
+      </p:ext>
+    </p:extLst>
+  </p:cSld>
+  <p:clrMapOvr>
+    <a:masterClrMapping/>
+  </p:clrMapOvr>
+</p:sld>
+</file>
+
+<file path=ppt/slides/slide25.xml><?xml version="1.0" encoding="utf-8"?>
+<p:sld xmlns:a="http://schemas.openxmlformats.org/drawingml/2006/main" xmlns:r="http://schemas.openxmlformats.org/officeDocument/2006/relationships" xmlns:p="http://schemas.openxmlformats.org/presentationml/2006/main">
+  <p:cSld>
+    <p:spTree>
+      <p:nvGrpSpPr>
+        <p:cNvPr id="1" name=""/>
+        <p:cNvGrpSpPr/>
+        <p:nvPr/>
+      </p:nvGrpSpPr>
+      <p:grpSpPr>
+        <a:xfrm>
+          <a:off x="0" y="0"/>
+          <a:ext cx="0" cy="0"/>
+          <a:chOff x="0" y="0"/>
+          <a:chExt cx="0" cy="0"/>
+        </a:xfrm>
+      </p:grpSpPr>
+      <p:sp>
+        <p:nvSpPr>
+          <p:cNvPr id="2" name="Заголовок 1"/>
+          <p:cNvSpPr>
+            <a:spLocks noGrp="1"/>
+          </p:cNvSpPr>
+          <p:nvPr>
+            <p:ph type="title"/>
+          </p:nvPr>
+        </p:nvSpPr>
+        <p:spPr/>
+        <p:txBody>
+          <a:bodyPr/>
+          <a:lstStyle/>
+          <a:p>
+            <a:r>
+              <a:rPr lang="en-US" dirty="0"/>
+              <a:t>Optical Box </a:t>
+            </a:r>
+            <a:r>
+              <a:rPr lang="en-US" dirty="0" smtClean="0"/>
+              <a:t>Math</a:t>
+            </a:r>
+            <a:endParaRPr lang="ru-RU" dirty="0"/>
+          </a:p>
+        </p:txBody>
+      </p:sp>
+      <p:sp>
+        <p:nvSpPr>
+          <p:cNvPr id="3" name="Объект 2"/>
+          <p:cNvSpPr>
+            <a:spLocks noGrp="1"/>
+          </p:cNvSpPr>
+          <p:nvPr>
+            <p:ph idx="1"/>
+          </p:nvPr>
+        </p:nvSpPr>
+        <p:spPr/>
+        <p:txBody>
+          <a:bodyPr>
+            <a:normAutofit lnSpcReduction="10000"/>
+          </a:bodyPr>
+          <a:lstStyle/>
+          <a:p>
+            <a:r>
+              <a:rPr lang="en-US" dirty="0"/>
+              <a:t>Optical Box Design do </a:t>
+            </a:r>
+            <a:r>
+              <a:rPr lang="en-US" dirty="0" smtClean="0"/>
+              <a:t>parallel math calculations of signals on DLP</a:t>
+            </a:r>
+          </a:p>
+          <a:p>
+            <a:r>
+              <a:rPr lang="en-US" dirty="0"/>
+              <a:t>Optical Box </a:t>
+            </a:r>
+            <a:r>
+              <a:rPr lang="en-US" dirty="0" smtClean="0"/>
+              <a:t>Design do not calculate Fourier </a:t>
+            </a:r>
+            <a:r>
+              <a:rPr lang="en-US" dirty="0"/>
+              <a:t>transforming </a:t>
+            </a:r>
+            <a:endParaRPr lang="en-US" dirty="0" smtClean="0"/>
+          </a:p>
+          <a:p>
+            <a:r>
+              <a:rPr lang="en-US" dirty="0"/>
+              <a:t>Optical Box Design do </a:t>
+            </a:r>
+            <a:r>
+              <a:rPr lang="en-US" dirty="0" smtClean="0"/>
+              <a:t>calculate Some (Unknown, depended from device implementation) Matrix Multiplication transforming </a:t>
+            </a:r>
+            <a:r>
+              <a:rPr lang="en-US" dirty="0"/>
+              <a:t>of signals on each FZP </a:t>
+            </a:r>
+            <a:endParaRPr lang="en-US" dirty="0" smtClean="0"/>
+          </a:p>
+          <a:p>
+            <a:r>
+              <a:rPr lang="en-US" dirty="0" smtClean="0"/>
+              <a:t>Because </a:t>
+            </a:r>
+            <a:r>
+              <a:rPr lang="en-US" dirty="0"/>
+              <a:t>Optical Box Design has </a:t>
+            </a:r>
+            <a:r>
+              <a:rPr lang="en-US" dirty="0" smtClean="0"/>
+              <a:t>more then two DLP</a:t>
+            </a:r>
+          </a:p>
+          <a:p>
+            <a:pPr lvl="1"/>
+            <a:r>
+              <a:rPr lang="en-US" dirty="0" smtClean="0"/>
+              <a:t>Reverse of Unknown Matrix </a:t>
+            </a:r>
+          </a:p>
+          <a:p>
+            <a:pPr lvl="2"/>
+            <a:r>
+              <a:rPr lang="en-US" dirty="0" smtClean="0"/>
+              <a:t>Can be calculated by experiments (during Optical </a:t>
+            </a:r>
+            <a:r>
+              <a:rPr lang="en-US" dirty="0"/>
+              <a:t>Box </a:t>
+            </a:r>
+            <a:r>
+              <a:rPr lang="en-US" dirty="0" smtClean="0"/>
+              <a:t>Calibration)</a:t>
+            </a:r>
+          </a:p>
+          <a:p>
+            <a:pPr lvl="2"/>
+            <a:r>
+              <a:rPr lang="en-US" dirty="0" smtClean="0"/>
+              <a:t>Can be saved for future use in embedded memory of </a:t>
+            </a:r>
+            <a:r>
+              <a:rPr lang="en-US" dirty="0"/>
+              <a:t>Optical Box </a:t>
+            </a:r>
+            <a:endParaRPr lang="en-US" dirty="0" smtClean="0"/>
+          </a:p>
+          <a:p>
+            <a:pPr lvl="2"/>
+            <a:r>
+              <a:rPr lang="en-US" dirty="0" smtClean="0"/>
+              <a:t>Can be used for </a:t>
+            </a:r>
+            <a:r>
+              <a:rPr lang="en-US" dirty="0"/>
+              <a:t>calculation needed </a:t>
+            </a:r>
+            <a:endParaRPr lang="en-US" dirty="0" smtClean="0"/>
+          </a:p>
+          <a:p>
+            <a:pPr lvl="1"/>
+            <a:r>
+              <a:rPr lang="en-US" dirty="0" smtClean="0"/>
+              <a:t>One DLP (if light is high polarized) or two DLP </a:t>
+            </a:r>
+            <a:r>
+              <a:rPr lang="en-US" dirty="0"/>
+              <a:t>(if light is </a:t>
+            </a:r>
+            <a:r>
+              <a:rPr lang="en-US" dirty="0" smtClean="0"/>
+              <a:t>low polarized</a:t>
+            </a:r>
+            <a:r>
+              <a:rPr lang="en-US" dirty="0"/>
+              <a:t>)</a:t>
+            </a:r>
+            <a:r>
+              <a:rPr lang="en-US" dirty="0" smtClean="0"/>
+              <a:t> can be used to correct total matrix production for </a:t>
+            </a:r>
+            <a:r>
+              <a:rPr lang="en-US" dirty="0"/>
+              <a:t>calculation </a:t>
+            </a:r>
+            <a:r>
+              <a:rPr lang="en-US" dirty="0" smtClean="0"/>
+              <a:t>needed like </a:t>
+            </a:r>
+            <a:r>
+              <a:rPr lang="en-US" dirty="0"/>
+              <a:t>Fourier </a:t>
+            </a:r>
+            <a:r>
+              <a:rPr lang="en-US" dirty="0" smtClean="0"/>
+              <a:t>transforming,</a:t>
+            </a:r>
+            <a:r>
+              <a:rPr lang="en-US" dirty="0"/>
+              <a:t> Walsh-</a:t>
+            </a:r>
+            <a:r>
+              <a:rPr lang="en-US" dirty="0" err="1"/>
+              <a:t>Hadamar</a:t>
+            </a:r>
+            <a:r>
+              <a:rPr lang="en-US" dirty="0"/>
+              <a:t> </a:t>
+            </a:r>
+            <a:r>
+              <a:rPr lang="en-US" dirty="0" smtClean="0"/>
+              <a:t>transforming and etc.</a:t>
+            </a:r>
+            <a:endParaRPr lang="ru-RU" dirty="0"/>
+          </a:p>
+        </p:txBody>
+      </p:sp>
+    </p:spTree>
+    <p:extLst>
+      <p:ext uri="{BB962C8B-B14F-4D97-AF65-F5344CB8AC3E}">
+        <p14:creationId xmlns:p14="http://schemas.microsoft.com/office/powerpoint/2010/main" val="182802956"/>
+      </p:ext>
+    </p:extLst>
+  </p:cSld>
+  <p:clrMapOvr>
+    <a:masterClrMapping/>
+  </p:clrMapOvr>
+</p:sld>
+</file>
+
+<file path=ppt/slides/slide26.xml><?xml version="1.0" encoding="utf-8"?>
+<p:sld xmlns:a="http://schemas.openxmlformats.org/drawingml/2006/main" xmlns:r="http://schemas.openxmlformats.org/officeDocument/2006/relationships" xmlns:p="http://schemas.openxmlformats.org/presentationml/2006/main">
+  <p:cSld>
+    <p:spTree>
+      <p:nvGrpSpPr>
+        <p:cNvPr id="1" name=""/>
+        <p:cNvGrpSpPr/>
+        <p:nvPr/>
+      </p:nvGrpSpPr>
+      <p:grpSpPr>
+        <a:xfrm>
+          <a:off x="0" y="0"/>
+          <a:ext cx="0" cy="0"/>
+          <a:chOff x="0" y="0"/>
+          <a:chExt cx="0" cy="0"/>
+        </a:xfrm>
+      </p:grpSpPr>
+      <p:sp>
+        <p:nvSpPr>
+          <p:cNvPr id="2" name="Заголовок 1"/>
+          <p:cNvSpPr>
+            <a:spLocks noGrp="1"/>
+          </p:cNvSpPr>
+          <p:nvPr>
+            <p:ph type="title"/>
+          </p:nvPr>
+        </p:nvSpPr>
+        <p:spPr/>
+        <p:txBody>
+          <a:bodyPr/>
+          <a:lstStyle/>
+          <a:p>
+            <a:r>
+              <a:rPr lang="en-US" dirty="0"/>
+              <a:t>Optical </a:t>
+            </a:r>
+            <a:r>
+              <a:rPr lang="en-US" dirty="0" smtClean="0"/>
+              <a:t>Calculations Precision</a:t>
+            </a:r>
+            <a:endParaRPr lang="ru-RU" dirty="0"/>
+          </a:p>
+        </p:txBody>
+      </p:sp>
+      <p:sp>
+        <p:nvSpPr>
+          <p:cNvPr id="3" name="Объект 2"/>
+          <p:cNvSpPr>
+            <a:spLocks noGrp="1"/>
+          </p:cNvSpPr>
+          <p:nvPr>
+            <p:ph idx="1"/>
+          </p:nvPr>
+        </p:nvSpPr>
+        <p:spPr/>
+        <p:txBody>
+          <a:bodyPr/>
+          <a:lstStyle/>
+          <a:p>
+            <a:r>
+              <a:rPr lang="en-US" dirty="0" smtClean="0"/>
+              <a:t>Fact</a:t>
+            </a:r>
+          </a:p>
+          <a:p>
+            <a:pPr lvl="1"/>
+            <a:r>
+              <a:rPr lang="en-US" dirty="0" smtClean="0"/>
+              <a:t>Calculation with using optics </a:t>
+            </a:r>
+            <a:r>
+              <a:rPr lang="en-US" dirty="0"/>
+              <a:t>calculations </a:t>
+            </a:r>
+            <a:r>
+              <a:rPr lang="en-US" dirty="0" smtClean="0"/>
+              <a:t>gives rough results</a:t>
+            </a:r>
+          </a:p>
+          <a:p>
+            <a:r>
+              <a:rPr lang="en-US" dirty="0" smtClean="0"/>
+              <a:t>Solution Ways</a:t>
+            </a:r>
+          </a:p>
+          <a:p>
+            <a:pPr lvl="1"/>
+            <a:r>
+              <a:rPr lang="en-US" dirty="0" smtClean="0"/>
+              <a:t>Same algorithms like sorting, brute force, branch-and-bounds and etc. do not need precision for all </a:t>
+            </a:r>
+            <a:r>
+              <a:rPr lang="en-US" dirty="0"/>
+              <a:t>results </a:t>
+            </a:r>
+            <a:r>
+              <a:rPr lang="en-US" dirty="0" smtClean="0"/>
+              <a:t>but selected only. Selected </a:t>
+            </a:r>
+            <a:r>
+              <a:rPr lang="en-US" dirty="0"/>
+              <a:t>results </a:t>
+            </a:r>
+            <a:r>
+              <a:rPr lang="en-US" dirty="0" smtClean="0"/>
+              <a:t>can by calculated traditional way.</a:t>
+            </a:r>
+          </a:p>
+          <a:p>
+            <a:pPr lvl="1"/>
+            <a:r>
+              <a:rPr lang="en-US" dirty="0" smtClean="0"/>
+              <a:t>There are many step-by-step math iteration algorithms exists to up </a:t>
+            </a:r>
+            <a:r>
+              <a:rPr lang="en-US" dirty="0"/>
+              <a:t>precision </a:t>
+            </a:r>
+            <a:r>
+              <a:rPr lang="en-US" dirty="0" smtClean="0"/>
+              <a:t>as needed</a:t>
+            </a:r>
+          </a:p>
+          <a:p>
+            <a:r>
+              <a:rPr lang="en-US" dirty="0" smtClean="0"/>
+              <a:t>Conclusion</a:t>
+            </a:r>
+          </a:p>
+          <a:p>
+            <a:pPr lvl="1"/>
+            <a:r>
+              <a:rPr lang="en-US" sz="1800" dirty="0" smtClean="0"/>
+              <a:t>Rough results can by used effectively </a:t>
+            </a:r>
+            <a:endParaRPr lang="ru-RU" sz="1800" dirty="0"/>
+          </a:p>
+        </p:txBody>
+      </p:sp>
+    </p:spTree>
+    <p:extLst>
+      <p:ext uri="{BB962C8B-B14F-4D97-AF65-F5344CB8AC3E}">
+        <p14:creationId xmlns:p14="http://schemas.microsoft.com/office/powerpoint/2010/main" val="1619521154"/>
+      </p:ext>
+    </p:extLst>
+  </p:cSld>
+  <p:clrMapOvr>
+    <a:masterClrMapping/>
+  </p:clrMapOvr>
+</p:sld>
+</file>
+
+<file path=ppt/slides/slide27.xml><?xml version="1.0" encoding="utf-8"?>
+<p:sld xmlns:a="http://schemas.openxmlformats.org/drawingml/2006/main" xmlns:r="http://schemas.openxmlformats.org/officeDocument/2006/relationships" xmlns:p="http://schemas.openxmlformats.org/presentationml/2006/main">
+  <p:cSld>
+    <p:spTree>
+      <p:nvGrpSpPr>
+        <p:cNvPr id="1" name=""/>
+        <p:cNvGrpSpPr/>
+        <p:nvPr/>
+      </p:nvGrpSpPr>
+      <p:grpSpPr>
+        <a:xfrm>
+          <a:off x="0" y="0"/>
+          <a:ext cx="0" cy="0"/>
+          <a:chOff x="0" y="0"/>
+          <a:chExt cx="0" cy="0"/>
+        </a:xfrm>
+      </p:grpSpPr>
+      <p:sp>
+        <p:nvSpPr>
+          <p:cNvPr id="2" name="Заголовок 1"/>
+          <p:cNvSpPr>
+            <a:spLocks noGrp="1"/>
+          </p:cNvSpPr>
+          <p:nvPr>
+            <p:ph type="title"/>
+          </p:nvPr>
+        </p:nvSpPr>
+        <p:spPr/>
+        <p:txBody>
+          <a:bodyPr/>
+          <a:lstStyle/>
+          <a:p>
+            <a:r>
+              <a:rPr lang="en-US" dirty="0" smtClean="0"/>
+              <a:t>Thank You</a:t>
+            </a:r>
+            <a:endParaRPr lang="ru-RU" dirty="0"/>
+          </a:p>
+        </p:txBody>
+      </p:sp>
+      <p:sp>
+        <p:nvSpPr>
+          <p:cNvPr id="3" name="Объект 2"/>
+          <p:cNvSpPr>
+            <a:spLocks noGrp="1"/>
+          </p:cNvSpPr>
+          <p:nvPr>
+            <p:ph idx="1"/>
+          </p:nvPr>
+        </p:nvSpPr>
         <p:spPr/>
         <p:txBody>
           <a:bodyPr/>
@@ -11321,7 +13158,7 @@
           <a:p>
             <a:fld id="{C0AF4200-06F9-4C00-BF67-F73768F696CA}" type="slidenum">
               <a:rPr lang="ru-RU" smtClean="0"/>
-              <a:t>24</a:t>
+              <a:t>27</a:t>
             </a:fld>
             <a:endParaRPr lang="ru-RU"/>
           </a:p>
